--- a/ALU.pptx
+++ b/ALU.pptx
@@ -5,11 +5,16 @@
     <p:sldMasterId id="2147483686" r:id="rId1"/>
   </p:sldMasterIdLst>
   <p:notesMasterIdLst>
-    <p:notesMasterId r:id="rId4"/>
+    <p:notesMasterId r:id="rId9"/>
   </p:notesMasterIdLst>
   <p:sldIdLst>
     <p:sldId id="256" r:id="rId2"/>
     <p:sldId id="257" r:id="rId3"/>
+    <p:sldId id="258" r:id="rId4"/>
+    <p:sldId id="259" r:id="rId5"/>
+    <p:sldId id="260" r:id="rId6"/>
+    <p:sldId id="261" r:id="rId7"/>
+    <p:sldId id="262" r:id="rId8"/>
   </p:sldIdLst>
   <p:sldSz cx="12192000" cy="6858000"/>
   <p:notesSz cx="6858000" cy="9144000"/>
@@ -108,6 +113,11 @@
       </a:defRPr>
     </a:lvl9pPr>
   </p:defaultTextStyle>
+  <p:extLst>
+    <p:ext uri="{EFAFB233-063F-42B5-8137-9DF3F51BA10A}">
+      <p15:sldGuideLst xmlns:p15="http://schemas.microsoft.com/office/powerpoint/2012/main"/>
+    </p:ext>
+  </p:extLst>
 </p:presentation>
 </file>
 
@@ -4987,6 +4997,3427 @@
     <p:extLst>
       <p:ext uri="{BB962C8B-B14F-4D97-AF65-F5344CB8AC3E}">
         <p14:creationId xmlns:p14="http://schemas.microsoft.com/office/powerpoint/2010/main" val="1004446894"/>
+      </p:ext>
+    </p:extLst>
+  </p:cSld>
+  <p:clrMapOvr>
+    <a:masterClrMapping/>
+  </p:clrMapOvr>
+</p:sld>
+</file>
+
+<file path=ppt/slides/slide3.xml><?xml version="1.0" encoding="utf-8"?>
+<p:sld xmlns:a="http://schemas.openxmlformats.org/drawingml/2006/main" xmlns:r="http://schemas.openxmlformats.org/officeDocument/2006/relationships" xmlns:p="http://schemas.openxmlformats.org/presentationml/2006/main">
+  <p:cSld>
+    <p:bg>
+      <p:bgPr>
+        <a:solidFill>
+          <a:schemeClr val="bg1"/>
+        </a:solidFill>
+        <a:effectLst/>
+      </p:bgPr>
+    </p:bg>
+    <p:spTree>
+      <p:nvGrpSpPr>
+        <p:cNvPr id="1" name=""/>
+        <p:cNvGrpSpPr/>
+        <p:nvPr/>
+      </p:nvGrpSpPr>
+      <p:grpSpPr>
+        <a:xfrm>
+          <a:off x="0" y="0"/>
+          <a:ext cx="0" cy="0"/>
+          <a:chOff x="0" y="0"/>
+          <a:chExt cx="0" cy="0"/>
+        </a:xfrm>
+      </p:grpSpPr>
+      <p:sp useBgFill="1">
+        <p:nvSpPr>
+          <p:cNvPr id="12" name="Rectangle 11">
+            <a:extLst>
+              <a:ext uri="{FF2B5EF4-FFF2-40B4-BE49-F238E27FC236}">
+                <a16:creationId xmlns:a16="http://schemas.microsoft.com/office/drawing/2014/main" id="{84136905-015B-4510-B514-027CBA846BD6}"/>
+              </a:ext>
+              <a:ext uri="{C183D7F6-B498-43B3-948B-1728B52AA6E4}">
+                <adec:decorative xmlns:adec="http://schemas.microsoft.com/office/drawing/2017/decorative" val="1"/>
+              </a:ext>
+            </a:extLst>
+          </p:cNvPr>
+          <p:cNvSpPr>
+            <a:spLocks noGrp="1" noRot="1" noChangeAspect="1" noMove="1" noResize="1" noEditPoints="1" noAdjustHandles="1" noChangeArrowheads="1" noChangeShapeType="1" noTextEdit="1"/>
+          </p:cNvSpPr>
+          <p:nvPr>
+            <p:extLst>
+              <p:ext uri="{386F3935-93C4-4BCD-93E2-E3B085C9AB24}">
+                <p16:designElem xmlns:p16="http://schemas.microsoft.com/office/powerpoint/2015/main" val="1"/>
+              </p:ext>
+            </p:extLst>
+          </p:nvPr>
+        </p:nvSpPr>
+        <p:spPr>
+          <a:xfrm>
+            <a:off x="0" y="0"/>
+            <a:ext cx="12192000" cy="6858000"/>
+          </a:xfrm>
+          <a:prstGeom prst="rect">
+            <a:avLst/>
+          </a:prstGeom>
+          <a:ln>
+            <a:noFill/>
+          </a:ln>
+        </p:spPr>
+        <p:style>
+          <a:lnRef idx="2">
+            <a:schemeClr val="accent1">
+              <a:shade val="50000"/>
+            </a:schemeClr>
+          </a:lnRef>
+          <a:fillRef idx="1">
+            <a:schemeClr val="accent1"/>
+          </a:fillRef>
+          <a:effectRef idx="0">
+            <a:schemeClr val="accent1"/>
+          </a:effectRef>
+          <a:fontRef idx="minor">
+            <a:schemeClr val="lt1"/>
+          </a:fontRef>
+        </p:style>
+        <p:txBody>
+          <a:bodyPr rtlCol="0" anchor="ctr"/>
+          <a:lstStyle/>
+          <a:p>
+            <a:pPr algn="ctr"/>
+            <a:endParaRPr lang="en-US"/>
+          </a:p>
+        </p:txBody>
+      </p:sp>
+      <p:sp>
+        <p:nvSpPr>
+          <p:cNvPr id="14" name="Rectangle 13">
+            <a:extLst>
+              <a:ext uri="{FF2B5EF4-FFF2-40B4-BE49-F238E27FC236}">
+                <a16:creationId xmlns:a16="http://schemas.microsoft.com/office/drawing/2014/main" id="{36CD0F97-2E5B-4E84-8544-EB24DED10446}"/>
+              </a:ext>
+              <a:ext uri="{C183D7F6-B498-43B3-948B-1728B52AA6E4}">
+                <adec:decorative xmlns:adec="http://schemas.microsoft.com/office/drawing/2017/decorative" val="1"/>
+              </a:ext>
+            </a:extLst>
+          </p:cNvPr>
+          <p:cNvSpPr>
+            <a:spLocks noGrp="1" noRot="1" noChangeAspect="1" noMove="1" noResize="1" noEditPoints="1" noAdjustHandles="1" noChangeArrowheads="1" noChangeShapeType="1" noTextEdit="1"/>
+          </p:cNvSpPr>
+          <p:nvPr>
+            <p:extLst>
+              <p:ext uri="{386F3935-93C4-4BCD-93E2-E3B085C9AB24}">
+                <p16:designElem xmlns:p16="http://schemas.microsoft.com/office/powerpoint/2015/main" val="1"/>
+              </p:ext>
+            </p:extLst>
+          </p:nvPr>
+        </p:nvSpPr>
+        <p:spPr>
+          <a:xfrm>
+            <a:off x="0" y="0"/>
+            <a:ext cx="12192000" cy="6099048"/>
+          </a:xfrm>
+          <a:prstGeom prst="rect">
+            <a:avLst/>
+          </a:prstGeom>
+          <a:gradFill flip="none" rotWithShape="1">
+            <a:gsLst>
+              <a:gs pos="10000">
+                <a:schemeClr val="accent5"/>
+              </a:gs>
+              <a:gs pos="90000">
+                <a:schemeClr val="accent1"/>
+              </a:gs>
+              <a:gs pos="70000">
+                <a:schemeClr val="accent2"/>
+              </a:gs>
+              <a:gs pos="30000">
+                <a:schemeClr val="accent4"/>
+              </a:gs>
+              <a:gs pos="50000">
+                <a:schemeClr val="accent3">
+                  <a:lumMod val="60000"/>
+                  <a:lumOff val="40000"/>
+                </a:schemeClr>
+              </a:gs>
+            </a:gsLst>
+            <a:lin ang="7200000" scaled="0"/>
+            <a:tileRect/>
+          </a:gradFill>
+          <a:ln>
+            <a:noFill/>
+          </a:ln>
+        </p:spPr>
+        <p:style>
+          <a:lnRef idx="2">
+            <a:schemeClr val="accent1">
+              <a:shade val="50000"/>
+            </a:schemeClr>
+          </a:lnRef>
+          <a:fillRef idx="1">
+            <a:schemeClr val="accent1"/>
+          </a:fillRef>
+          <a:effectRef idx="0">
+            <a:schemeClr val="accent1"/>
+          </a:effectRef>
+          <a:fontRef idx="minor">
+            <a:schemeClr val="lt1"/>
+          </a:fontRef>
+        </p:style>
+        <p:txBody>
+          <a:bodyPr rtlCol="0" anchor="ctr"/>
+          <a:lstStyle/>
+          <a:p>
+            <a:pPr algn="ctr"/>
+            <a:endParaRPr lang="en-US"/>
+          </a:p>
+        </p:txBody>
+      </p:sp>
+      <p:sp useBgFill="1">
+        <p:nvSpPr>
+          <p:cNvPr id="16" name="Freeform: Shape 15">
+            <a:extLst>
+              <a:ext uri="{FF2B5EF4-FFF2-40B4-BE49-F238E27FC236}">
+                <a16:creationId xmlns:a16="http://schemas.microsoft.com/office/drawing/2014/main" id="{18E670AF-873F-44DB-9862-796E652EECDB}"/>
+              </a:ext>
+              <a:ext uri="{C183D7F6-B498-43B3-948B-1728B52AA6E4}">
+                <adec:decorative xmlns:adec="http://schemas.microsoft.com/office/drawing/2017/decorative" val="1"/>
+              </a:ext>
+            </a:extLst>
+          </p:cNvPr>
+          <p:cNvSpPr>
+            <a:spLocks noGrp="1" noRot="1" noChangeAspect="1" noMove="1" noResize="1" noEditPoints="1" noAdjustHandles="1" noChangeArrowheads="1" noChangeShapeType="1" noTextEdit="1"/>
+          </p:cNvSpPr>
+          <p:nvPr>
+            <p:extLst>
+              <p:ext uri="{386F3935-93C4-4BCD-93E2-E3B085C9AB24}">
+                <p16:designElem xmlns:p16="http://schemas.microsoft.com/office/powerpoint/2015/main" val="1"/>
+              </p:ext>
+            </p:extLst>
+          </p:nvPr>
+        </p:nvSpPr>
+        <p:spPr>
+          <a:xfrm>
+            <a:off x="0" y="-1"/>
+            <a:ext cx="11430001" cy="6175613"/>
+          </a:xfrm>
+          <a:custGeom>
+            <a:avLst/>
+            <a:gdLst>
+              <a:gd name="connsiteX0" fmla="*/ 0 w 11430001"/>
+              <a:gd name="connsiteY0" fmla="*/ 0 h 6175613"/>
+              <a:gd name="connsiteX1" fmla="*/ 5638031 w 11430001"/>
+              <a:gd name="connsiteY1" fmla="*/ 0 h 6175613"/>
+              <a:gd name="connsiteX2" fmla="*/ 5638031 w 11430001"/>
+              <a:gd name="connsiteY2" fmla="*/ 758954 h 6175613"/>
+              <a:gd name="connsiteX3" fmla="*/ 11430001 w 11430001"/>
+              <a:gd name="connsiteY3" fmla="*/ 758954 h 6175613"/>
+              <a:gd name="connsiteX4" fmla="*/ 11430001 w 11430001"/>
+              <a:gd name="connsiteY4" fmla="*/ 6175613 h 6175613"/>
+              <a:gd name="connsiteX5" fmla="*/ 5638031 w 11430001"/>
+              <a:gd name="connsiteY5" fmla="*/ 6175613 h 6175613"/>
+              <a:gd name="connsiteX6" fmla="*/ 5240741 w 11430001"/>
+              <a:gd name="connsiteY6" fmla="*/ 6175613 h 6175613"/>
+              <a:gd name="connsiteX7" fmla="*/ 0 w 11430001"/>
+              <a:gd name="connsiteY7" fmla="*/ 6175613 h 6175613"/>
+            </a:gdLst>
+            <a:ahLst/>
+            <a:cxnLst>
+              <a:cxn ang="0">
+                <a:pos x="connsiteX0" y="connsiteY0"/>
+              </a:cxn>
+              <a:cxn ang="0">
+                <a:pos x="connsiteX1" y="connsiteY1"/>
+              </a:cxn>
+              <a:cxn ang="0">
+                <a:pos x="connsiteX2" y="connsiteY2"/>
+              </a:cxn>
+              <a:cxn ang="0">
+                <a:pos x="connsiteX3" y="connsiteY3"/>
+              </a:cxn>
+              <a:cxn ang="0">
+                <a:pos x="connsiteX4" y="connsiteY4"/>
+              </a:cxn>
+              <a:cxn ang="0">
+                <a:pos x="connsiteX5" y="connsiteY5"/>
+              </a:cxn>
+              <a:cxn ang="0">
+                <a:pos x="connsiteX6" y="connsiteY6"/>
+              </a:cxn>
+              <a:cxn ang="0">
+                <a:pos x="connsiteX7" y="connsiteY7"/>
+              </a:cxn>
+            </a:cxnLst>
+            <a:rect l="l" t="t" r="r" b="b"/>
+            <a:pathLst>
+              <a:path w="11430001" h="6175613">
+                <a:moveTo>
+                  <a:pt x="0" y="0"/>
+                </a:moveTo>
+                <a:lnTo>
+                  <a:pt x="5638031" y="0"/>
+                </a:lnTo>
+                <a:lnTo>
+                  <a:pt x="5638031" y="758954"/>
+                </a:lnTo>
+                <a:lnTo>
+                  <a:pt x="11430001" y="758954"/>
+                </a:lnTo>
+                <a:lnTo>
+                  <a:pt x="11430001" y="6175613"/>
+                </a:lnTo>
+                <a:lnTo>
+                  <a:pt x="5638031" y="6175613"/>
+                </a:lnTo>
+                <a:lnTo>
+                  <a:pt x="5240741" y="6175613"/>
+                </a:lnTo>
+                <a:lnTo>
+                  <a:pt x="0" y="6175613"/>
+                </a:lnTo>
+                <a:close/>
+              </a:path>
+            </a:pathLst>
+          </a:custGeom>
+          <a:ln>
+            <a:noFill/>
+          </a:ln>
+        </p:spPr>
+        <p:style>
+          <a:lnRef idx="2">
+            <a:schemeClr val="accent1">
+              <a:shade val="50000"/>
+            </a:schemeClr>
+          </a:lnRef>
+          <a:fillRef idx="1">
+            <a:schemeClr val="accent1"/>
+          </a:fillRef>
+          <a:effectRef idx="0">
+            <a:schemeClr val="accent1"/>
+          </a:effectRef>
+          <a:fontRef idx="minor">
+            <a:schemeClr val="lt1"/>
+          </a:fontRef>
+        </p:style>
+        <p:txBody>
+          <a:bodyPr wrap="square" rtlCol="0" anchor="ctr">
+            <a:noAutofit/>
+          </a:bodyPr>
+          <a:lstStyle/>
+          <a:p>
+            <a:pPr algn="ctr"/>
+            <a:endParaRPr lang="en-US"/>
+          </a:p>
+        </p:txBody>
+      </p:sp>
+      <p:sp>
+        <p:nvSpPr>
+          <p:cNvPr id="2" name="Title 1">
+            <a:extLst>
+              <a:ext uri="{FF2B5EF4-FFF2-40B4-BE49-F238E27FC236}">
+                <a16:creationId xmlns:a16="http://schemas.microsoft.com/office/drawing/2014/main" id="{F3EE7EAC-0648-7884-8DED-ECA69F4B3DB5}"/>
+              </a:ext>
+            </a:extLst>
+          </p:cNvPr>
+          <p:cNvSpPr>
+            <a:spLocks noGrp="1"/>
+          </p:cNvSpPr>
+          <p:nvPr>
+            <p:ph type="title"/>
+          </p:nvPr>
+        </p:nvSpPr>
+        <p:spPr>
+          <a:xfrm>
+            <a:off x="0" y="-509409"/>
+            <a:ext cx="4089779" cy="2028388"/>
+          </a:xfrm>
+        </p:spPr>
+        <p:txBody>
+          <a:bodyPr anchor="ctr">
+            <a:normAutofit/>
+          </a:bodyPr>
+          <a:lstStyle/>
+          <a:p>
+            <a:r>
+              <a:rPr lang="en-IE" dirty="0"/>
+              <a:t>ALU Diagram</a:t>
+            </a:r>
+          </a:p>
+        </p:txBody>
+      </p:sp>
+      <p:pic>
+        <p:nvPicPr>
+          <p:cNvPr id="5" name="Content Placeholder 4" descr="A diagram of a computer">
+            <a:extLst>
+              <a:ext uri="{FF2B5EF4-FFF2-40B4-BE49-F238E27FC236}">
+                <a16:creationId xmlns:a16="http://schemas.microsoft.com/office/drawing/2014/main" id="{31E91E75-C31B-9D01-6E39-4A6714A65313}"/>
+              </a:ext>
+            </a:extLst>
+          </p:cNvPr>
+          <p:cNvPicPr>
+            <a:picLocks noChangeAspect="1"/>
+          </p:cNvPicPr>
+          <p:nvPr/>
+        </p:nvPicPr>
+        <p:blipFill>
+          <a:blip r:embed="rId2">
+            <a:extLst>
+              <a:ext uri="{28A0092B-C50C-407E-A947-70E740481C1C}">
+                <a14:useLocalDpi xmlns:a14="http://schemas.microsoft.com/office/drawing/2010/main" val="0"/>
+              </a:ext>
+            </a:extLst>
+          </a:blip>
+          <a:stretch>
+            <a:fillRect/>
+          </a:stretch>
+        </p:blipFill>
+        <p:spPr>
+          <a:xfrm>
+            <a:off x="761999" y="963561"/>
+            <a:ext cx="10273678" cy="5650520"/>
+          </a:xfrm>
+          <a:prstGeom prst="rect">
+            <a:avLst/>
+          </a:prstGeom>
+        </p:spPr>
+      </p:pic>
+      <p:pic>
+        <p:nvPicPr>
+          <p:cNvPr id="6" name="Content Placeholder 4" descr="A diagram of a computer">
+            <a:extLst>
+              <a:ext uri="{FF2B5EF4-FFF2-40B4-BE49-F238E27FC236}">
+                <a16:creationId xmlns:a16="http://schemas.microsoft.com/office/drawing/2014/main" id="{02DA7802-8596-44A2-2F64-8F5EA677F9B2}"/>
+              </a:ext>
+            </a:extLst>
+          </p:cNvPr>
+          <p:cNvPicPr>
+            <a:picLocks noChangeAspect="1"/>
+          </p:cNvPicPr>
+          <p:nvPr/>
+        </p:nvPicPr>
+        <p:blipFill rotWithShape="1">
+          <a:blip r:embed="rId2">
+            <a:extLst>
+              <a:ext uri="{28A0092B-C50C-407E-A947-70E740481C1C}">
+                <a14:useLocalDpi xmlns:a14="http://schemas.microsoft.com/office/drawing/2010/main" val="0"/>
+              </a:ext>
+            </a:extLst>
+          </a:blip>
+          <a:srcRect l="45394" t="4176" r="34604" b="50931"/>
+          <a:stretch/>
+        </p:blipFill>
+        <p:spPr>
+          <a:xfrm>
+            <a:off x="3426320" y="983754"/>
+            <a:ext cx="4577359" cy="5650520"/>
+          </a:xfrm>
+          <a:prstGeom prst="rect">
+            <a:avLst/>
+          </a:prstGeom>
+        </p:spPr>
+      </p:pic>
+      <p:pic>
+        <p:nvPicPr>
+          <p:cNvPr id="4" name="Picture 3">
+            <a:extLst>
+              <a:ext uri="{FF2B5EF4-FFF2-40B4-BE49-F238E27FC236}">
+                <a16:creationId xmlns:a16="http://schemas.microsoft.com/office/drawing/2014/main" id="{D5400D09-CB66-DCFD-1407-68FDEFCC3299}"/>
+              </a:ext>
+            </a:extLst>
+          </p:cNvPr>
+          <p:cNvPicPr>
+            <a:picLocks noChangeAspect="1"/>
+          </p:cNvPicPr>
+          <p:nvPr/>
+        </p:nvPicPr>
+        <p:blipFill>
+          <a:blip r:embed="rId3"/>
+          <a:stretch>
+            <a:fillRect/>
+          </a:stretch>
+        </p:blipFill>
+        <p:spPr>
+          <a:xfrm>
+            <a:off x="3080141" y="1080525"/>
+            <a:ext cx="5698015" cy="5474563"/>
+          </a:xfrm>
+          <a:prstGeom prst="rect">
+            <a:avLst/>
+          </a:prstGeom>
+        </p:spPr>
+      </p:pic>
+      <p:pic>
+        <p:nvPicPr>
+          <p:cNvPr id="8" name="Picture 7">
+            <a:extLst>
+              <a:ext uri="{FF2B5EF4-FFF2-40B4-BE49-F238E27FC236}">
+                <a16:creationId xmlns:a16="http://schemas.microsoft.com/office/drawing/2014/main" id="{CEF0565A-479E-875C-6675-9AACEF34085D}"/>
+              </a:ext>
+            </a:extLst>
+          </p:cNvPr>
+          <p:cNvPicPr>
+            <a:picLocks noChangeAspect="1"/>
+          </p:cNvPicPr>
+          <p:nvPr/>
+        </p:nvPicPr>
+        <p:blipFill>
+          <a:blip r:embed="rId4"/>
+          <a:stretch>
+            <a:fillRect/>
+          </a:stretch>
+        </p:blipFill>
+        <p:spPr>
+          <a:xfrm>
+            <a:off x="1853440" y="1150901"/>
+            <a:ext cx="8151416" cy="4356117"/>
+          </a:xfrm>
+          <a:prstGeom prst="rect">
+            <a:avLst/>
+          </a:prstGeom>
+        </p:spPr>
+      </p:pic>
+    </p:spTree>
+    <p:extLst>
+      <p:ext uri="{BB962C8B-B14F-4D97-AF65-F5344CB8AC3E}">
+        <p14:creationId xmlns:p14="http://schemas.microsoft.com/office/powerpoint/2010/main" val="1713254389"/>
+      </p:ext>
+    </p:extLst>
+  </p:cSld>
+  <p:clrMapOvr>
+    <a:masterClrMapping/>
+  </p:clrMapOvr>
+  <p:timing>
+    <p:tnLst>
+      <p:par>
+        <p:cTn id="1" dur="indefinite" restart="never" nodeType="tmRoot">
+          <p:childTnLst>
+            <p:seq concurrent="1" nextAc="seek">
+              <p:cTn id="2" dur="indefinite" nodeType="mainSeq">
+                <p:childTnLst>
+                  <p:par>
+                    <p:cTn id="3" fill="hold">
+                      <p:stCondLst>
+                        <p:cond delay="indefinite"/>
+                      </p:stCondLst>
+                      <p:childTnLst>
+                        <p:par>
+                          <p:cTn id="4" fill="hold">
+                            <p:stCondLst>
+                              <p:cond delay="0"/>
+                            </p:stCondLst>
+                            <p:childTnLst>
+                              <p:par>
+                                <p:cTn id="5" presetID="53" presetClass="entr" presetSubtype="16" fill="hold" nodeType="clickEffect">
+                                  <p:stCondLst>
+                                    <p:cond delay="0"/>
+                                  </p:stCondLst>
+                                  <p:childTnLst>
+                                    <p:set>
+                                      <p:cBhvr>
+                                        <p:cTn id="6" dur="1" fill="hold">
+                                          <p:stCondLst>
+                                            <p:cond delay="0"/>
+                                          </p:stCondLst>
+                                        </p:cTn>
+                                        <p:tgtEl>
+                                          <p:spTgt spid="6"/>
+                                        </p:tgtEl>
+                                        <p:attrNameLst>
+                                          <p:attrName>style.visibility</p:attrName>
+                                        </p:attrNameLst>
+                                      </p:cBhvr>
+                                      <p:to>
+                                        <p:strVal val="visible"/>
+                                      </p:to>
+                                    </p:set>
+                                    <p:anim calcmode="lin" valueType="num">
+                                      <p:cBhvr>
+                                        <p:cTn id="7" dur="500" fill="hold"/>
+                                        <p:tgtEl>
+                                          <p:spTgt spid="6"/>
+                                        </p:tgtEl>
+                                        <p:attrNameLst>
+                                          <p:attrName>ppt_w</p:attrName>
+                                        </p:attrNameLst>
+                                      </p:cBhvr>
+                                      <p:tavLst>
+                                        <p:tav tm="0">
+                                          <p:val>
+                                            <p:fltVal val="0"/>
+                                          </p:val>
+                                        </p:tav>
+                                        <p:tav tm="100000">
+                                          <p:val>
+                                            <p:strVal val="#ppt_w"/>
+                                          </p:val>
+                                        </p:tav>
+                                      </p:tavLst>
+                                    </p:anim>
+                                    <p:anim calcmode="lin" valueType="num">
+                                      <p:cBhvr>
+                                        <p:cTn id="8" dur="500" fill="hold"/>
+                                        <p:tgtEl>
+                                          <p:spTgt spid="6"/>
+                                        </p:tgtEl>
+                                        <p:attrNameLst>
+                                          <p:attrName>ppt_h</p:attrName>
+                                        </p:attrNameLst>
+                                      </p:cBhvr>
+                                      <p:tavLst>
+                                        <p:tav tm="0">
+                                          <p:val>
+                                            <p:fltVal val="0"/>
+                                          </p:val>
+                                        </p:tav>
+                                        <p:tav tm="100000">
+                                          <p:val>
+                                            <p:strVal val="#ppt_h"/>
+                                          </p:val>
+                                        </p:tav>
+                                      </p:tavLst>
+                                    </p:anim>
+                                    <p:animEffect transition="in" filter="fade">
+                                      <p:cBhvr>
+                                        <p:cTn id="9" dur="500"/>
+                                        <p:tgtEl>
+                                          <p:spTgt spid="6"/>
+                                        </p:tgtEl>
+                                      </p:cBhvr>
+                                    </p:animEffect>
+                                  </p:childTnLst>
+                                </p:cTn>
+                              </p:par>
+                              <p:par>
+                                <p:cTn id="10" presetID="53" presetClass="exit" presetSubtype="32" fill="hold" nodeType="withEffect">
+                                  <p:stCondLst>
+                                    <p:cond delay="0"/>
+                                  </p:stCondLst>
+                                  <p:childTnLst>
+                                    <p:anim calcmode="lin" valueType="num">
+                                      <p:cBhvr>
+                                        <p:cTn id="11" dur="500"/>
+                                        <p:tgtEl>
+                                          <p:spTgt spid="5"/>
+                                        </p:tgtEl>
+                                        <p:attrNameLst>
+                                          <p:attrName>ppt_w</p:attrName>
+                                        </p:attrNameLst>
+                                      </p:cBhvr>
+                                      <p:tavLst>
+                                        <p:tav tm="0">
+                                          <p:val>
+                                            <p:strVal val="ppt_w"/>
+                                          </p:val>
+                                        </p:tav>
+                                        <p:tav tm="100000">
+                                          <p:val>
+                                            <p:fltVal val="0"/>
+                                          </p:val>
+                                        </p:tav>
+                                      </p:tavLst>
+                                    </p:anim>
+                                    <p:anim calcmode="lin" valueType="num">
+                                      <p:cBhvr>
+                                        <p:cTn id="12" dur="500"/>
+                                        <p:tgtEl>
+                                          <p:spTgt spid="5"/>
+                                        </p:tgtEl>
+                                        <p:attrNameLst>
+                                          <p:attrName>ppt_h</p:attrName>
+                                        </p:attrNameLst>
+                                      </p:cBhvr>
+                                      <p:tavLst>
+                                        <p:tav tm="0">
+                                          <p:val>
+                                            <p:strVal val="ppt_h"/>
+                                          </p:val>
+                                        </p:tav>
+                                        <p:tav tm="100000">
+                                          <p:val>
+                                            <p:fltVal val="0"/>
+                                          </p:val>
+                                        </p:tav>
+                                      </p:tavLst>
+                                    </p:anim>
+                                    <p:animEffect transition="out" filter="fade">
+                                      <p:cBhvr>
+                                        <p:cTn id="13" dur="500"/>
+                                        <p:tgtEl>
+                                          <p:spTgt spid="5"/>
+                                        </p:tgtEl>
+                                      </p:cBhvr>
+                                    </p:animEffect>
+                                    <p:set>
+                                      <p:cBhvr>
+                                        <p:cTn id="14" dur="1" fill="hold">
+                                          <p:stCondLst>
+                                            <p:cond delay="499"/>
+                                          </p:stCondLst>
+                                        </p:cTn>
+                                        <p:tgtEl>
+                                          <p:spTgt spid="5"/>
+                                        </p:tgtEl>
+                                        <p:attrNameLst>
+                                          <p:attrName>style.visibility</p:attrName>
+                                        </p:attrNameLst>
+                                      </p:cBhvr>
+                                      <p:to>
+                                        <p:strVal val="hidden"/>
+                                      </p:to>
+                                    </p:set>
+                                  </p:childTnLst>
+                                </p:cTn>
+                              </p:par>
+                            </p:childTnLst>
+                          </p:cTn>
+                        </p:par>
+                      </p:childTnLst>
+                    </p:cTn>
+                  </p:par>
+                  <p:par>
+                    <p:cTn id="15" fill="hold">
+                      <p:stCondLst>
+                        <p:cond delay="indefinite"/>
+                      </p:stCondLst>
+                      <p:childTnLst>
+                        <p:par>
+                          <p:cTn id="16" fill="hold">
+                            <p:stCondLst>
+                              <p:cond delay="0"/>
+                            </p:stCondLst>
+                            <p:childTnLst>
+                              <p:par>
+                                <p:cTn id="17" presetID="53" presetClass="entr" presetSubtype="16" fill="hold" nodeType="clickEffect">
+                                  <p:stCondLst>
+                                    <p:cond delay="0"/>
+                                  </p:stCondLst>
+                                  <p:childTnLst>
+                                    <p:set>
+                                      <p:cBhvr>
+                                        <p:cTn id="18" dur="1" fill="hold">
+                                          <p:stCondLst>
+                                            <p:cond delay="0"/>
+                                          </p:stCondLst>
+                                        </p:cTn>
+                                        <p:tgtEl>
+                                          <p:spTgt spid="4"/>
+                                        </p:tgtEl>
+                                        <p:attrNameLst>
+                                          <p:attrName>style.visibility</p:attrName>
+                                        </p:attrNameLst>
+                                      </p:cBhvr>
+                                      <p:to>
+                                        <p:strVal val="visible"/>
+                                      </p:to>
+                                    </p:set>
+                                    <p:anim calcmode="lin" valueType="num">
+                                      <p:cBhvr>
+                                        <p:cTn id="19" dur="500" fill="hold"/>
+                                        <p:tgtEl>
+                                          <p:spTgt spid="4"/>
+                                        </p:tgtEl>
+                                        <p:attrNameLst>
+                                          <p:attrName>ppt_w</p:attrName>
+                                        </p:attrNameLst>
+                                      </p:cBhvr>
+                                      <p:tavLst>
+                                        <p:tav tm="0">
+                                          <p:val>
+                                            <p:fltVal val="0"/>
+                                          </p:val>
+                                        </p:tav>
+                                        <p:tav tm="100000">
+                                          <p:val>
+                                            <p:strVal val="#ppt_w"/>
+                                          </p:val>
+                                        </p:tav>
+                                      </p:tavLst>
+                                    </p:anim>
+                                    <p:anim calcmode="lin" valueType="num">
+                                      <p:cBhvr>
+                                        <p:cTn id="20" dur="500" fill="hold"/>
+                                        <p:tgtEl>
+                                          <p:spTgt spid="4"/>
+                                        </p:tgtEl>
+                                        <p:attrNameLst>
+                                          <p:attrName>ppt_h</p:attrName>
+                                        </p:attrNameLst>
+                                      </p:cBhvr>
+                                      <p:tavLst>
+                                        <p:tav tm="0">
+                                          <p:val>
+                                            <p:fltVal val="0"/>
+                                          </p:val>
+                                        </p:tav>
+                                        <p:tav tm="100000">
+                                          <p:val>
+                                            <p:strVal val="#ppt_h"/>
+                                          </p:val>
+                                        </p:tav>
+                                      </p:tavLst>
+                                    </p:anim>
+                                    <p:animEffect transition="in" filter="fade">
+                                      <p:cBhvr>
+                                        <p:cTn id="21" dur="500"/>
+                                        <p:tgtEl>
+                                          <p:spTgt spid="4"/>
+                                        </p:tgtEl>
+                                      </p:cBhvr>
+                                    </p:animEffect>
+                                  </p:childTnLst>
+                                </p:cTn>
+                              </p:par>
+                              <p:par>
+                                <p:cTn id="22" presetID="53" presetClass="exit" presetSubtype="32" fill="hold" nodeType="withEffect">
+                                  <p:stCondLst>
+                                    <p:cond delay="0"/>
+                                  </p:stCondLst>
+                                  <p:childTnLst>
+                                    <p:anim calcmode="lin" valueType="num">
+                                      <p:cBhvr>
+                                        <p:cTn id="23" dur="500"/>
+                                        <p:tgtEl>
+                                          <p:spTgt spid="6"/>
+                                        </p:tgtEl>
+                                        <p:attrNameLst>
+                                          <p:attrName>ppt_w</p:attrName>
+                                        </p:attrNameLst>
+                                      </p:cBhvr>
+                                      <p:tavLst>
+                                        <p:tav tm="0">
+                                          <p:val>
+                                            <p:strVal val="ppt_w"/>
+                                          </p:val>
+                                        </p:tav>
+                                        <p:tav tm="100000">
+                                          <p:val>
+                                            <p:fltVal val="0"/>
+                                          </p:val>
+                                        </p:tav>
+                                      </p:tavLst>
+                                    </p:anim>
+                                    <p:anim calcmode="lin" valueType="num">
+                                      <p:cBhvr>
+                                        <p:cTn id="24" dur="500"/>
+                                        <p:tgtEl>
+                                          <p:spTgt spid="6"/>
+                                        </p:tgtEl>
+                                        <p:attrNameLst>
+                                          <p:attrName>ppt_h</p:attrName>
+                                        </p:attrNameLst>
+                                      </p:cBhvr>
+                                      <p:tavLst>
+                                        <p:tav tm="0">
+                                          <p:val>
+                                            <p:strVal val="ppt_h"/>
+                                          </p:val>
+                                        </p:tav>
+                                        <p:tav tm="100000">
+                                          <p:val>
+                                            <p:fltVal val="0"/>
+                                          </p:val>
+                                        </p:tav>
+                                      </p:tavLst>
+                                    </p:anim>
+                                    <p:animEffect transition="out" filter="fade">
+                                      <p:cBhvr>
+                                        <p:cTn id="25" dur="500"/>
+                                        <p:tgtEl>
+                                          <p:spTgt spid="6"/>
+                                        </p:tgtEl>
+                                      </p:cBhvr>
+                                    </p:animEffect>
+                                    <p:set>
+                                      <p:cBhvr>
+                                        <p:cTn id="26" dur="1" fill="hold">
+                                          <p:stCondLst>
+                                            <p:cond delay="499"/>
+                                          </p:stCondLst>
+                                        </p:cTn>
+                                        <p:tgtEl>
+                                          <p:spTgt spid="6"/>
+                                        </p:tgtEl>
+                                        <p:attrNameLst>
+                                          <p:attrName>style.visibility</p:attrName>
+                                        </p:attrNameLst>
+                                      </p:cBhvr>
+                                      <p:to>
+                                        <p:strVal val="hidden"/>
+                                      </p:to>
+                                    </p:set>
+                                  </p:childTnLst>
+                                </p:cTn>
+                              </p:par>
+                            </p:childTnLst>
+                          </p:cTn>
+                        </p:par>
+                      </p:childTnLst>
+                    </p:cTn>
+                  </p:par>
+                  <p:par>
+                    <p:cTn id="27" fill="hold">
+                      <p:stCondLst>
+                        <p:cond delay="indefinite"/>
+                      </p:stCondLst>
+                      <p:childTnLst>
+                        <p:par>
+                          <p:cTn id="28" fill="hold">
+                            <p:stCondLst>
+                              <p:cond delay="0"/>
+                            </p:stCondLst>
+                            <p:childTnLst>
+                              <p:par>
+                                <p:cTn id="29" presetID="53" presetClass="entr" presetSubtype="16" fill="hold" nodeType="clickEffect">
+                                  <p:stCondLst>
+                                    <p:cond delay="0"/>
+                                  </p:stCondLst>
+                                  <p:childTnLst>
+                                    <p:set>
+                                      <p:cBhvr>
+                                        <p:cTn id="30" dur="1" fill="hold">
+                                          <p:stCondLst>
+                                            <p:cond delay="0"/>
+                                          </p:stCondLst>
+                                        </p:cTn>
+                                        <p:tgtEl>
+                                          <p:spTgt spid="8"/>
+                                        </p:tgtEl>
+                                        <p:attrNameLst>
+                                          <p:attrName>style.visibility</p:attrName>
+                                        </p:attrNameLst>
+                                      </p:cBhvr>
+                                      <p:to>
+                                        <p:strVal val="visible"/>
+                                      </p:to>
+                                    </p:set>
+                                    <p:anim calcmode="lin" valueType="num">
+                                      <p:cBhvr>
+                                        <p:cTn id="31" dur="500" fill="hold"/>
+                                        <p:tgtEl>
+                                          <p:spTgt spid="8"/>
+                                        </p:tgtEl>
+                                        <p:attrNameLst>
+                                          <p:attrName>ppt_w</p:attrName>
+                                        </p:attrNameLst>
+                                      </p:cBhvr>
+                                      <p:tavLst>
+                                        <p:tav tm="0">
+                                          <p:val>
+                                            <p:fltVal val="0"/>
+                                          </p:val>
+                                        </p:tav>
+                                        <p:tav tm="100000">
+                                          <p:val>
+                                            <p:strVal val="#ppt_w"/>
+                                          </p:val>
+                                        </p:tav>
+                                      </p:tavLst>
+                                    </p:anim>
+                                    <p:anim calcmode="lin" valueType="num">
+                                      <p:cBhvr>
+                                        <p:cTn id="32" dur="500" fill="hold"/>
+                                        <p:tgtEl>
+                                          <p:spTgt spid="8"/>
+                                        </p:tgtEl>
+                                        <p:attrNameLst>
+                                          <p:attrName>ppt_h</p:attrName>
+                                        </p:attrNameLst>
+                                      </p:cBhvr>
+                                      <p:tavLst>
+                                        <p:tav tm="0">
+                                          <p:val>
+                                            <p:fltVal val="0"/>
+                                          </p:val>
+                                        </p:tav>
+                                        <p:tav tm="100000">
+                                          <p:val>
+                                            <p:strVal val="#ppt_h"/>
+                                          </p:val>
+                                        </p:tav>
+                                      </p:tavLst>
+                                    </p:anim>
+                                    <p:animEffect transition="in" filter="fade">
+                                      <p:cBhvr>
+                                        <p:cTn id="33" dur="500"/>
+                                        <p:tgtEl>
+                                          <p:spTgt spid="8"/>
+                                        </p:tgtEl>
+                                      </p:cBhvr>
+                                    </p:animEffect>
+                                  </p:childTnLst>
+                                </p:cTn>
+                              </p:par>
+                              <p:par>
+                                <p:cTn id="34" presetID="53" presetClass="exit" presetSubtype="32" fill="hold" nodeType="withEffect">
+                                  <p:stCondLst>
+                                    <p:cond delay="0"/>
+                                  </p:stCondLst>
+                                  <p:childTnLst>
+                                    <p:anim calcmode="lin" valueType="num">
+                                      <p:cBhvr>
+                                        <p:cTn id="35" dur="500"/>
+                                        <p:tgtEl>
+                                          <p:spTgt spid="4"/>
+                                        </p:tgtEl>
+                                        <p:attrNameLst>
+                                          <p:attrName>ppt_w</p:attrName>
+                                        </p:attrNameLst>
+                                      </p:cBhvr>
+                                      <p:tavLst>
+                                        <p:tav tm="0">
+                                          <p:val>
+                                            <p:strVal val="ppt_w"/>
+                                          </p:val>
+                                        </p:tav>
+                                        <p:tav tm="100000">
+                                          <p:val>
+                                            <p:fltVal val="0"/>
+                                          </p:val>
+                                        </p:tav>
+                                      </p:tavLst>
+                                    </p:anim>
+                                    <p:anim calcmode="lin" valueType="num">
+                                      <p:cBhvr>
+                                        <p:cTn id="36" dur="500"/>
+                                        <p:tgtEl>
+                                          <p:spTgt spid="4"/>
+                                        </p:tgtEl>
+                                        <p:attrNameLst>
+                                          <p:attrName>ppt_h</p:attrName>
+                                        </p:attrNameLst>
+                                      </p:cBhvr>
+                                      <p:tavLst>
+                                        <p:tav tm="0">
+                                          <p:val>
+                                            <p:strVal val="ppt_h"/>
+                                          </p:val>
+                                        </p:tav>
+                                        <p:tav tm="100000">
+                                          <p:val>
+                                            <p:fltVal val="0"/>
+                                          </p:val>
+                                        </p:tav>
+                                      </p:tavLst>
+                                    </p:anim>
+                                    <p:animEffect transition="out" filter="fade">
+                                      <p:cBhvr>
+                                        <p:cTn id="37" dur="500"/>
+                                        <p:tgtEl>
+                                          <p:spTgt spid="4"/>
+                                        </p:tgtEl>
+                                      </p:cBhvr>
+                                    </p:animEffect>
+                                    <p:set>
+                                      <p:cBhvr>
+                                        <p:cTn id="38" dur="1" fill="hold">
+                                          <p:stCondLst>
+                                            <p:cond delay="499"/>
+                                          </p:stCondLst>
+                                        </p:cTn>
+                                        <p:tgtEl>
+                                          <p:spTgt spid="4"/>
+                                        </p:tgtEl>
+                                        <p:attrNameLst>
+                                          <p:attrName>style.visibility</p:attrName>
+                                        </p:attrNameLst>
+                                      </p:cBhvr>
+                                      <p:to>
+                                        <p:strVal val="hidden"/>
+                                      </p:to>
+                                    </p:set>
+                                  </p:childTnLst>
+                                </p:cTn>
+                              </p:par>
+                            </p:childTnLst>
+                          </p:cTn>
+                        </p:par>
+                      </p:childTnLst>
+                    </p:cTn>
+                  </p:par>
+                </p:childTnLst>
+              </p:cTn>
+              <p:prevCondLst>
+                <p:cond evt="onPrev" delay="0">
+                  <p:tgtEl>
+                    <p:sldTgt/>
+                  </p:tgtEl>
+                </p:cond>
+              </p:prevCondLst>
+              <p:nextCondLst>
+                <p:cond evt="onNext" delay="0">
+                  <p:tgtEl>
+                    <p:sldTgt/>
+                  </p:tgtEl>
+                </p:cond>
+              </p:nextCondLst>
+            </p:seq>
+          </p:childTnLst>
+        </p:cTn>
+      </p:par>
+    </p:tnLst>
+  </p:timing>
+</p:sld>
+</file>
+
+<file path=ppt/slides/slide4.xml><?xml version="1.0" encoding="utf-8"?>
+<p:sld xmlns:a="http://schemas.openxmlformats.org/drawingml/2006/main" xmlns:r="http://schemas.openxmlformats.org/officeDocument/2006/relationships" xmlns:p="http://schemas.openxmlformats.org/presentationml/2006/main">
+  <p:cSld>
+    <p:bg>
+      <p:bgPr>
+        <a:solidFill>
+          <a:schemeClr val="bg1"/>
+        </a:solidFill>
+        <a:effectLst/>
+      </p:bgPr>
+    </p:bg>
+    <p:spTree>
+      <p:nvGrpSpPr>
+        <p:cNvPr id="1" name=""/>
+        <p:cNvGrpSpPr/>
+        <p:nvPr/>
+      </p:nvGrpSpPr>
+      <p:grpSpPr>
+        <a:xfrm>
+          <a:off x="0" y="0"/>
+          <a:ext cx="0" cy="0"/>
+          <a:chOff x="0" y="0"/>
+          <a:chExt cx="0" cy="0"/>
+        </a:xfrm>
+      </p:grpSpPr>
+      <p:sp>
+        <p:nvSpPr>
+          <p:cNvPr id="11" name="Freeform: Shape 10">
+            <a:extLst>
+              <a:ext uri="{FF2B5EF4-FFF2-40B4-BE49-F238E27FC236}">
+                <a16:creationId xmlns:a16="http://schemas.microsoft.com/office/drawing/2014/main" id="{49306479-8C4D-4E4A-A330-DFC80A8A01BE}"/>
+              </a:ext>
+              <a:ext uri="{C183D7F6-B498-43B3-948B-1728B52AA6E4}">
+                <adec:decorative xmlns:adec="http://schemas.microsoft.com/office/drawing/2017/decorative" val="1"/>
+              </a:ext>
+            </a:extLst>
+          </p:cNvPr>
+          <p:cNvSpPr>
+            <a:spLocks noGrp="1" noRot="1" noChangeAspect="1" noMove="1" noResize="1" noEditPoints="1" noAdjustHandles="1" noChangeArrowheads="1" noChangeShapeType="1" noTextEdit="1"/>
+          </p:cNvSpPr>
+          <p:nvPr>
+            <p:extLst>
+              <p:ext uri="{386F3935-93C4-4BCD-93E2-E3B085C9AB24}">
+                <p16:designElem xmlns:p16="http://schemas.microsoft.com/office/powerpoint/2015/main" val="1"/>
+              </p:ext>
+            </p:extLst>
+          </p:nvPr>
+        </p:nvSpPr>
+        <p:spPr>
+          <a:xfrm>
+            <a:off x="0" y="0"/>
+            <a:ext cx="12192000" cy="6105524"/>
+          </a:xfrm>
+          <a:custGeom>
+            <a:avLst/>
+            <a:gdLst>
+              <a:gd name="connsiteX0" fmla="*/ 0 w 12192000"/>
+              <a:gd name="connsiteY0" fmla="*/ 0 h 6105524"/>
+              <a:gd name="connsiteX1" fmla="*/ 12192000 w 12192000"/>
+              <a:gd name="connsiteY1" fmla="*/ 0 h 6105524"/>
+              <a:gd name="connsiteX2" fmla="*/ 12192000 w 12192000"/>
+              <a:gd name="connsiteY2" fmla="*/ 6105524 h 6105524"/>
+              <a:gd name="connsiteX3" fmla="*/ 11435080 w 12192000"/>
+              <a:gd name="connsiteY3" fmla="*/ 6105524 h 6105524"/>
+              <a:gd name="connsiteX4" fmla="*/ 11435080 w 12192000"/>
+              <a:gd name="connsiteY4" fmla="*/ 771523 h 6105524"/>
+              <a:gd name="connsiteX5" fmla="*/ 767080 w 12192000"/>
+              <a:gd name="connsiteY5" fmla="*/ 771523 h 6105524"/>
+              <a:gd name="connsiteX6" fmla="*/ 767080 w 12192000"/>
+              <a:gd name="connsiteY6" fmla="*/ 6105524 h 6105524"/>
+              <a:gd name="connsiteX7" fmla="*/ 0 w 12192000"/>
+              <a:gd name="connsiteY7" fmla="*/ 6105524 h 6105524"/>
+            </a:gdLst>
+            <a:ahLst/>
+            <a:cxnLst>
+              <a:cxn ang="0">
+                <a:pos x="connsiteX0" y="connsiteY0"/>
+              </a:cxn>
+              <a:cxn ang="0">
+                <a:pos x="connsiteX1" y="connsiteY1"/>
+              </a:cxn>
+              <a:cxn ang="0">
+                <a:pos x="connsiteX2" y="connsiteY2"/>
+              </a:cxn>
+              <a:cxn ang="0">
+                <a:pos x="connsiteX3" y="connsiteY3"/>
+              </a:cxn>
+              <a:cxn ang="0">
+                <a:pos x="connsiteX4" y="connsiteY4"/>
+              </a:cxn>
+              <a:cxn ang="0">
+                <a:pos x="connsiteX5" y="connsiteY5"/>
+              </a:cxn>
+              <a:cxn ang="0">
+                <a:pos x="connsiteX6" y="connsiteY6"/>
+              </a:cxn>
+              <a:cxn ang="0">
+                <a:pos x="connsiteX7" y="connsiteY7"/>
+              </a:cxn>
+            </a:cxnLst>
+            <a:rect l="l" t="t" r="r" b="b"/>
+            <a:pathLst>
+              <a:path w="12192000" h="6105524">
+                <a:moveTo>
+                  <a:pt x="0" y="0"/>
+                </a:moveTo>
+                <a:lnTo>
+                  <a:pt x="12192000" y="0"/>
+                </a:lnTo>
+                <a:lnTo>
+                  <a:pt x="12192000" y="6105524"/>
+                </a:lnTo>
+                <a:lnTo>
+                  <a:pt x="11435080" y="6105524"/>
+                </a:lnTo>
+                <a:lnTo>
+                  <a:pt x="11435080" y="771523"/>
+                </a:lnTo>
+                <a:lnTo>
+                  <a:pt x="767080" y="771523"/>
+                </a:lnTo>
+                <a:lnTo>
+                  <a:pt x="767080" y="6105524"/>
+                </a:lnTo>
+                <a:lnTo>
+                  <a:pt x="0" y="6105524"/>
+                </a:lnTo>
+                <a:close/>
+              </a:path>
+            </a:pathLst>
+          </a:custGeom>
+          <a:gradFill flip="none" rotWithShape="1">
+            <a:gsLst>
+              <a:gs pos="10000">
+                <a:schemeClr val="accent5"/>
+              </a:gs>
+              <a:gs pos="90000">
+                <a:schemeClr val="accent1"/>
+              </a:gs>
+              <a:gs pos="70000">
+                <a:schemeClr val="accent2"/>
+              </a:gs>
+              <a:gs pos="30000">
+                <a:schemeClr val="accent4"/>
+              </a:gs>
+              <a:gs pos="50000">
+                <a:schemeClr val="accent3">
+                  <a:lumMod val="60000"/>
+                  <a:lumOff val="40000"/>
+                </a:schemeClr>
+              </a:gs>
+            </a:gsLst>
+            <a:lin ang="7200000" scaled="0"/>
+            <a:tileRect/>
+          </a:gradFill>
+          <a:ln>
+            <a:noFill/>
+          </a:ln>
+        </p:spPr>
+        <p:style>
+          <a:lnRef idx="2">
+            <a:schemeClr val="accent1">
+              <a:shade val="50000"/>
+            </a:schemeClr>
+          </a:lnRef>
+          <a:fillRef idx="1">
+            <a:schemeClr val="accent1"/>
+          </a:fillRef>
+          <a:effectRef idx="0">
+            <a:schemeClr val="accent1"/>
+          </a:effectRef>
+          <a:fontRef idx="minor">
+            <a:schemeClr val="lt1"/>
+          </a:fontRef>
+        </p:style>
+        <p:txBody>
+          <a:bodyPr wrap="square" rtlCol="0" anchor="ctr">
+            <a:noAutofit/>
+          </a:bodyPr>
+          <a:lstStyle/>
+          <a:p>
+            <a:pPr algn="ctr"/>
+            <a:endParaRPr lang="en-US"/>
+          </a:p>
+        </p:txBody>
+      </p:sp>
+      <p:sp useBgFill="1">
+        <p:nvSpPr>
+          <p:cNvPr id="13" name="Rectangle 12">
+            <a:extLst>
+              <a:ext uri="{FF2B5EF4-FFF2-40B4-BE49-F238E27FC236}">
+                <a16:creationId xmlns:a16="http://schemas.microsoft.com/office/drawing/2014/main" id="{84136905-015B-4510-B514-027CBA846BD6}"/>
+              </a:ext>
+              <a:ext uri="{C183D7F6-B498-43B3-948B-1728B52AA6E4}">
+                <adec:decorative xmlns:adec="http://schemas.microsoft.com/office/drawing/2017/decorative" val="1"/>
+              </a:ext>
+            </a:extLst>
+          </p:cNvPr>
+          <p:cNvSpPr>
+            <a:spLocks noGrp="1" noRot="1" noChangeAspect="1" noMove="1" noResize="1" noEditPoints="1" noAdjustHandles="1" noChangeArrowheads="1" noChangeShapeType="1" noTextEdit="1"/>
+          </p:cNvSpPr>
+          <p:nvPr>
+            <p:extLst>
+              <p:ext uri="{386F3935-93C4-4BCD-93E2-E3B085C9AB24}">
+                <p16:designElem xmlns:p16="http://schemas.microsoft.com/office/powerpoint/2015/main" val="1"/>
+              </p:ext>
+            </p:extLst>
+          </p:nvPr>
+        </p:nvSpPr>
+        <p:spPr>
+          <a:xfrm>
+            <a:off x="0" y="0"/>
+            <a:ext cx="12192000" cy="6858000"/>
+          </a:xfrm>
+          <a:prstGeom prst="rect">
+            <a:avLst/>
+          </a:prstGeom>
+          <a:ln>
+            <a:noFill/>
+          </a:ln>
+        </p:spPr>
+        <p:style>
+          <a:lnRef idx="2">
+            <a:schemeClr val="accent1">
+              <a:shade val="50000"/>
+            </a:schemeClr>
+          </a:lnRef>
+          <a:fillRef idx="1">
+            <a:schemeClr val="accent1"/>
+          </a:fillRef>
+          <a:effectRef idx="0">
+            <a:schemeClr val="accent1"/>
+          </a:effectRef>
+          <a:fontRef idx="minor">
+            <a:schemeClr val="lt1"/>
+          </a:fontRef>
+        </p:style>
+        <p:txBody>
+          <a:bodyPr rtlCol="0" anchor="ctr"/>
+          <a:lstStyle/>
+          <a:p>
+            <a:pPr algn="ctr"/>
+            <a:endParaRPr lang="en-US"/>
+          </a:p>
+        </p:txBody>
+      </p:sp>
+      <p:sp>
+        <p:nvSpPr>
+          <p:cNvPr id="15" name="Rectangle 14">
+            <a:extLst>
+              <a:ext uri="{FF2B5EF4-FFF2-40B4-BE49-F238E27FC236}">
+                <a16:creationId xmlns:a16="http://schemas.microsoft.com/office/drawing/2014/main" id="{36CD0F97-2E5B-4E84-8544-EB24DED10446}"/>
+              </a:ext>
+              <a:ext uri="{C183D7F6-B498-43B3-948B-1728B52AA6E4}">
+                <adec:decorative xmlns:adec="http://schemas.microsoft.com/office/drawing/2017/decorative" val="1"/>
+              </a:ext>
+            </a:extLst>
+          </p:cNvPr>
+          <p:cNvSpPr>
+            <a:spLocks noGrp="1" noRot="1" noChangeAspect="1" noMove="1" noResize="1" noEditPoints="1" noAdjustHandles="1" noChangeArrowheads="1" noChangeShapeType="1" noTextEdit="1"/>
+          </p:cNvSpPr>
+          <p:nvPr>
+            <p:extLst>
+              <p:ext uri="{386F3935-93C4-4BCD-93E2-E3B085C9AB24}">
+                <p16:designElem xmlns:p16="http://schemas.microsoft.com/office/powerpoint/2015/main" val="1"/>
+              </p:ext>
+            </p:extLst>
+          </p:nvPr>
+        </p:nvSpPr>
+        <p:spPr>
+          <a:xfrm>
+            <a:off x="0" y="0"/>
+            <a:ext cx="12192000" cy="6099048"/>
+          </a:xfrm>
+          <a:prstGeom prst="rect">
+            <a:avLst/>
+          </a:prstGeom>
+          <a:gradFill flip="none" rotWithShape="1">
+            <a:gsLst>
+              <a:gs pos="10000">
+                <a:schemeClr val="accent5"/>
+              </a:gs>
+              <a:gs pos="90000">
+                <a:schemeClr val="accent1"/>
+              </a:gs>
+              <a:gs pos="70000">
+                <a:schemeClr val="accent2"/>
+              </a:gs>
+              <a:gs pos="30000">
+                <a:schemeClr val="accent4"/>
+              </a:gs>
+              <a:gs pos="50000">
+                <a:schemeClr val="accent3">
+                  <a:lumMod val="60000"/>
+                  <a:lumOff val="40000"/>
+                </a:schemeClr>
+              </a:gs>
+            </a:gsLst>
+            <a:lin ang="7200000" scaled="0"/>
+            <a:tileRect/>
+          </a:gradFill>
+          <a:ln>
+            <a:noFill/>
+          </a:ln>
+        </p:spPr>
+        <p:style>
+          <a:lnRef idx="2">
+            <a:schemeClr val="accent1">
+              <a:shade val="50000"/>
+            </a:schemeClr>
+          </a:lnRef>
+          <a:fillRef idx="1">
+            <a:schemeClr val="accent1"/>
+          </a:fillRef>
+          <a:effectRef idx="0">
+            <a:schemeClr val="accent1"/>
+          </a:effectRef>
+          <a:fontRef idx="minor">
+            <a:schemeClr val="lt1"/>
+          </a:fontRef>
+        </p:style>
+        <p:txBody>
+          <a:bodyPr rtlCol="0" anchor="ctr"/>
+          <a:lstStyle/>
+          <a:p>
+            <a:pPr algn="ctr"/>
+            <a:endParaRPr lang="en-US"/>
+          </a:p>
+        </p:txBody>
+      </p:sp>
+      <p:sp useBgFill="1">
+        <p:nvSpPr>
+          <p:cNvPr id="17" name="Freeform: Shape 16">
+            <a:extLst>
+              <a:ext uri="{FF2B5EF4-FFF2-40B4-BE49-F238E27FC236}">
+                <a16:creationId xmlns:a16="http://schemas.microsoft.com/office/drawing/2014/main" id="{18E670AF-873F-44DB-9862-796E652EECDB}"/>
+              </a:ext>
+              <a:ext uri="{C183D7F6-B498-43B3-948B-1728B52AA6E4}">
+                <adec:decorative xmlns:adec="http://schemas.microsoft.com/office/drawing/2017/decorative" val="1"/>
+              </a:ext>
+            </a:extLst>
+          </p:cNvPr>
+          <p:cNvSpPr>
+            <a:spLocks noGrp="1" noRot="1" noChangeAspect="1" noMove="1" noResize="1" noEditPoints="1" noAdjustHandles="1" noChangeArrowheads="1" noChangeShapeType="1" noTextEdit="1"/>
+          </p:cNvSpPr>
+          <p:nvPr>
+            <p:extLst>
+              <p:ext uri="{386F3935-93C4-4BCD-93E2-E3B085C9AB24}">
+                <p16:designElem xmlns:p16="http://schemas.microsoft.com/office/powerpoint/2015/main" val="1"/>
+              </p:ext>
+            </p:extLst>
+          </p:nvPr>
+        </p:nvSpPr>
+        <p:spPr>
+          <a:xfrm>
+            <a:off x="0" y="-1"/>
+            <a:ext cx="11430001" cy="6175613"/>
+          </a:xfrm>
+          <a:custGeom>
+            <a:avLst/>
+            <a:gdLst>
+              <a:gd name="connsiteX0" fmla="*/ 0 w 11430001"/>
+              <a:gd name="connsiteY0" fmla="*/ 0 h 6175613"/>
+              <a:gd name="connsiteX1" fmla="*/ 5638031 w 11430001"/>
+              <a:gd name="connsiteY1" fmla="*/ 0 h 6175613"/>
+              <a:gd name="connsiteX2" fmla="*/ 5638031 w 11430001"/>
+              <a:gd name="connsiteY2" fmla="*/ 758954 h 6175613"/>
+              <a:gd name="connsiteX3" fmla="*/ 11430001 w 11430001"/>
+              <a:gd name="connsiteY3" fmla="*/ 758954 h 6175613"/>
+              <a:gd name="connsiteX4" fmla="*/ 11430001 w 11430001"/>
+              <a:gd name="connsiteY4" fmla="*/ 6175613 h 6175613"/>
+              <a:gd name="connsiteX5" fmla="*/ 5638031 w 11430001"/>
+              <a:gd name="connsiteY5" fmla="*/ 6175613 h 6175613"/>
+              <a:gd name="connsiteX6" fmla="*/ 5240741 w 11430001"/>
+              <a:gd name="connsiteY6" fmla="*/ 6175613 h 6175613"/>
+              <a:gd name="connsiteX7" fmla="*/ 0 w 11430001"/>
+              <a:gd name="connsiteY7" fmla="*/ 6175613 h 6175613"/>
+            </a:gdLst>
+            <a:ahLst/>
+            <a:cxnLst>
+              <a:cxn ang="0">
+                <a:pos x="connsiteX0" y="connsiteY0"/>
+              </a:cxn>
+              <a:cxn ang="0">
+                <a:pos x="connsiteX1" y="connsiteY1"/>
+              </a:cxn>
+              <a:cxn ang="0">
+                <a:pos x="connsiteX2" y="connsiteY2"/>
+              </a:cxn>
+              <a:cxn ang="0">
+                <a:pos x="connsiteX3" y="connsiteY3"/>
+              </a:cxn>
+              <a:cxn ang="0">
+                <a:pos x="connsiteX4" y="connsiteY4"/>
+              </a:cxn>
+              <a:cxn ang="0">
+                <a:pos x="connsiteX5" y="connsiteY5"/>
+              </a:cxn>
+              <a:cxn ang="0">
+                <a:pos x="connsiteX6" y="connsiteY6"/>
+              </a:cxn>
+              <a:cxn ang="0">
+                <a:pos x="connsiteX7" y="connsiteY7"/>
+              </a:cxn>
+            </a:cxnLst>
+            <a:rect l="l" t="t" r="r" b="b"/>
+            <a:pathLst>
+              <a:path w="11430001" h="6175613">
+                <a:moveTo>
+                  <a:pt x="0" y="0"/>
+                </a:moveTo>
+                <a:lnTo>
+                  <a:pt x="5638031" y="0"/>
+                </a:lnTo>
+                <a:lnTo>
+                  <a:pt x="5638031" y="758954"/>
+                </a:lnTo>
+                <a:lnTo>
+                  <a:pt x="11430001" y="758954"/>
+                </a:lnTo>
+                <a:lnTo>
+                  <a:pt x="11430001" y="6175613"/>
+                </a:lnTo>
+                <a:lnTo>
+                  <a:pt x="5638031" y="6175613"/>
+                </a:lnTo>
+                <a:lnTo>
+                  <a:pt x="5240741" y="6175613"/>
+                </a:lnTo>
+                <a:lnTo>
+                  <a:pt x="0" y="6175613"/>
+                </a:lnTo>
+                <a:close/>
+              </a:path>
+            </a:pathLst>
+          </a:custGeom>
+          <a:ln>
+            <a:noFill/>
+          </a:ln>
+        </p:spPr>
+        <p:style>
+          <a:lnRef idx="2">
+            <a:schemeClr val="accent1">
+              <a:shade val="50000"/>
+            </a:schemeClr>
+          </a:lnRef>
+          <a:fillRef idx="1">
+            <a:schemeClr val="accent1"/>
+          </a:fillRef>
+          <a:effectRef idx="0">
+            <a:schemeClr val="accent1"/>
+          </a:effectRef>
+          <a:fontRef idx="minor">
+            <a:schemeClr val="lt1"/>
+          </a:fontRef>
+        </p:style>
+        <p:txBody>
+          <a:bodyPr wrap="square" rtlCol="0" anchor="ctr">
+            <a:noAutofit/>
+          </a:bodyPr>
+          <a:lstStyle/>
+          <a:p>
+            <a:pPr algn="ctr"/>
+            <a:endParaRPr lang="en-US"/>
+          </a:p>
+        </p:txBody>
+      </p:sp>
+      <p:sp>
+        <p:nvSpPr>
+          <p:cNvPr id="2" name="Title 1">
+            <a:extLst>
+              <a:ext uri="{FF2B5EF4-FFF2-40B4-BE49-F238E27FC236}">
+                <a16:creationId xmlns:a16="http://schemas.microsoft.com/office/drawing/2014/main" id="{A28E8941-F8FE-2DAB-910C-9C13A2F6BEF9}"/>
+              </a:ext>
+            </a:extLst>
+          </p:cNvPr>
+          <p:cNvSpPr>
+            <a:spLocks noGrp="1"/>
+          </p:cNvSpPr>
+          <p:nvPr>
+            <p:ph type="title"/>
+          </p:nvPr>
+        </p:nvSpPr>
+        <p:spPr>
+          <a:xfrm>
+            <a:off x="762000" y="758953"/>
+            <a:ext cx="4089779" cy="2028388"/>
+          </a:xfrm>
+        </p:spPr>
+        <p:txBody>
+          <a:bodyPr vert="horz" lIns="91440" tIns="45720" rIns="91440" bIns="45720" rtlCol="0" anchor="ctr">
+            <a:normAutofit/>
+          </a:bodyPr>
+          <a:lstStyle/>
+          <a:p>
+            <a:pPr>
+              <a:lnSpc>
+                <a:spcPct val="95000"/>
+              </a:lnSpc>
+            </a:pPr>
+            <a:r>
+              <a:rPr lang="en-US" sz="4200" kern="1200" spc="-50" baseline="0">
+                <a:solidFill>
+                  <a:schemeClr val="tx1"/>
+                </a:solidFill>
+                <a:latin typeface="+mj-lt"/>
+                <a:ea typeface="+mj-ea"/>
+                <a:cs typeface="+mj-cs"/>
+              </a:rPr>
+              <a:t>4 Bit ALU</a:t>
+            </a:r>
+          </a:p>
+        </p:txBody>
+      </p:sp>
+      <p:sp>
+        <p:nvSpPr>
+          <p:cNvPr id="4" name="Text Placeholder 3">
+            <a:extLst>
+              <a:ext uri="{FF2B5EF4-FFF2-40B4-BE49-F238E27FC236}">
+                <a16:creationId xmlns:a16="http://schemas.microsoft.com/office/drawing/2014/main" id="{0DA28812-2344-33EA-BAFF-CB5AFBC4B44A}"/>
+              </a:ext>
+            </a:extLst>
+          </p:cNvPr>
+          <p:cNvSpPr>
+            <a:spLocks noGrp="1"/>
+          </p:cNvSpPr>
+          <p:nvPr>
+            <p:ph type="body" sz="half" idx="2"/>
+          </p:nvPr>
+        </p:nvSpPr>
+        <p:spPr>
+          <a:xfrm>
+            <a:off x="762000" y="2893326"/>
+            <a:ext cx="4089779" cy="3202674"/>
+          </a:xfrm>
+        </p:spPr>
+        <p:txBody>
+          <a:bodyPr vert="horz" lIns="91440" tIns="45720" rIns="91440" bIns="45720" rtlCol="0" anchor="t">
+            <a:normAutofit/>
+          </a:bodyPr>
+          <a:lstStyle/>
+          <a:p>
+            <a:endParaRPr lang="en-US"/>
+          </a:p>
+        </p:txBody>
+      </p:sp>
+      <p:pic>
+        <p:nvPicPr>
+          <p:cNvPr id="6" name="Picture Placeholder 5" descr="A diagram of a machine&#10;&#10;Description automatically generated">
+            <a:extLst>
+              <a:ext uri="{FF2B5EF4-FFF2-40B4-BE49-F238E27FC236}">
+                <a16:creationId xmlns:a16="http://schemas.microsoft.com/office/drawing/2014/main" id="{074BB30D-B1C7-8477-B973-F127864DEFEA}"/>
+              </a:ext>
+            </a:extLst>
+          </p:cNvPr>
+          <p:cNvPicPr>
+            <a:picLocks noGrp="1" noChangeAspect="1"/>
+          </p:cNvPicPr>
+          <p:nvPr>
+            <p:ph type="pic" idx="1"/>
+          </p:nvPr>
+        </p:nvPicPr>
+        <p:blipFill>
+          <a:blip r:embed="rId2">
+            <a:extLst>
+              <a:ext uri="{28A0092B-C50C-407E-A947-70E740481C1C}">
+                <a14:useLocalDpi xmlns:a14="http://schemas.microsoft.com/office/drawing/2010/main" val="0"/>
+              </a:ext>
+            </a:extLst>
+          </a:blip>
+          <a:srcRect l="6876" r="6876"/>
+          <a:stretch>
+            <a:fillRect/>
+          </a:stretch>
+        </p:blipFill>
+        <p:spPr>
+          <a:xfrm>
+            <a:off x="5841497" y="1509264"/>
+            <a:ext cx="5056127" cy="4400481"/>
+          </a:xfrm>
+          <a:prstGeom prst="rect">
+            <a:avLst/>
+          </a:prstGeom>
+        </p:spPr>
+      </p:pic>
+      <p:pic>
+        <p:nvPicPr>
+          <p:cNvPr id="8" name="Picture 7" descr="A table of numbers and symbols&#10;&#10;Description automatically generated with medium confidence">
+            <a:extLst>
+              <a:ext uri="{FF2B5EF4-FFF2-40B4-BE49-F238E27FC236}">
+                <a16:creationId xmlns:a16="http://schemas.microsoft.com/office/drawing/2014/main" id="{3627E899-1920-6CE4-C3A0-BBBC66158A8E}"/>
+              </a:ext>
+            </a:extLst>
+          </p:cNvPr>
+          <p:cNvPicPr>
+            <a:picLocks noChangeAspect="1"/>
+          </p:cNvPicPr>
+          <p:nvPr/>
+        </p:nvPicPr>
+        <p:blipFill>
+          <a:blip r:embed="rId3">
+            <a:extLst>
+              <a:ext uri="{28A0092B-C50C-407E-A947-70E740481C1C}">
+                <a14:useLocalDpi xmlns:a14="http://schemas.microsoft.com/office/drawing/2010/main" val="0"/>
+              </a:ext>
+            </a:extLst>
+          </a:blip>
+          <a:stretch>
+            <a:fillRect/>
+          </a:stretch>
+        </p:blipFill>
+        <p:spPr>
+          <a:xfrm>
+            <a:off x="-759450" y="2462607"/>
+            <a:ext cx="6328042" cy="3748049"/>
+          </a:xfrm>
+          <a:prstGeom prst="rect">
+            <a:avLst/>
+          </a:prstGeom>
+        </p:spPr>
+      </p:pic>
+    </p:spTree>
+    <p:extLst>
+      <p:ext uri="{BB962C8B-B14F-4D97-AF65-F5344CB8AC3E}">
+        <p14:creationId xmlns:p14="http://schemas.microsoft.com/office/powerpoint/2010/main" val="1494870265"/>
+      </p:ext>
+    </p:extLst>
+  </p:cSld>
+  <p:clrMapOvr>
+    <a:masterClrMapping/>
+  </p:clrMapOvr>
+</p:sld>
+</file>
+
+<file path=ppt/slides/slide5.xml><?xml version="1.0" encoding="utf-8"?>
+<p:sld xmlns:a="http://schemas.openxmlformats.org/drawingml/2006/main" xmlns:r="http://schemas.openxmlformats.org/officeDocument/2006/relationships" xmlns:p="http://schemas.openxmlformats.org/presentationml/2006/main">
+  <p:cSld>
+    <p:bg>
+      <p:bgPr>
+        <a:solidFill>
+          <a:schemeClr val="bg1"/>
+        </a:solidFill>
+        <a:effectLst/>
+      </p:bgPr>
+    </p:bg>
+    <p:spTree>
+      <p:nvGrpSpPr>
+        <p:cNvPr id="1" name=""/>
+        <p:cNvGrpSpPr/>
+        <p:nvPr/>
+      </p:nvGrpSpPr>
+      <p:grpSpPr>
+        <a:xfrm>
+          <a:off x="0" y="0"/>
+          <a:ext cx="0" cy="0"/>
+          <a:chOff x="0" y="0"/>
+          <a:chExt cx="0" cy="0"/>
+        </a:xfrm>
+      </p:grpSpPr>
+      <p:sp>
+        <p:nvSpPr>
+          <p:cNvPr id="1033" name="Freeform: Shape 1032">
+            <a:extLst>
+              <a:ext uri="{FF2B5EF4-FFF2-40B4-BE49-F238E27FC236}">
+                <a16:creationId xmlns:a16="http://schemas.microsoft.com/office/drawing/2014/main" id="{49306479-8C4D-4E4A-A330-DFC80A8A01BE}"/>
+              </a:ext>
+              <a:ext uri="{C183D7F6-B498-43B3-948B-1728B52AA6E4}">
+                <adec:decorative xmlns:adec="http://schemas.microsoft.com/office/drawing/2017/decorative" val="1"/>
+              </a:ext>
+            </a:extLst>
+          </p:cNvPr>
+          <p:cNvSpPr>
+            <a:spLocks noGrp="1" noRot="1" noChangeAspect="1" noMove="1" noResize="1" noEditPoints="1" noAdjustHandles="1" noChangeArrowheads="1" noChangeShapeType="1" noTextEdit="1"/>
+          </p:cNvSpPr>
+          <p:nvPr>
+            <p:extLst>
+              <p:ext uri="{386F3935-93C4-4BCD-93E2-E3B085C9AB24}">
+                <p16:designElem xmlns:p16="http://schemas.microsoft.com/office/powerpoint/2015/main" val="1"/>
+              </p:ext>
+            </p:extLst>
+          </p:nvPr>
+        </p:nvSpPr>
+        <p:spPr>
+          <a:xfrm>
+            <a:off x="0" y="0"/>
+            <a:ext cx="12192000" cy="6105524"/>
+          </a:xfrm>
+          <a:custGeom>
+            <a:avLst/>
+            <a:gdLst>
+              <a:gd name="connsiteX0" fmla="*/ 0 w 12192000"/>
+              <a:gd name="connsiteY0" fmla="*/ 0 h 6105524"/>
+              <a:gd name="connsiteX1" fmla="*/ 12192000 w 12192000"/>
+              <a:gd name="connsiteY1" fmla="*/ 0 h 6105524"/>
+              <a:gd name="connsiteX2" fmla="*/ 12192000 w 12192000"/>
+              <a:gd name="connsiteY2" fmla="*/ 6105524 h 6105524"/>
+              <a:gd name="connsiteX3" fmla="*/ 11435080 w 12192000"/>
+              <a:gd name="connsiteY3" fmla="*/ 6105524 h 6105524"/>
+              <a:gd name="connsiteX4" fmla="*/ 11435080 w 12192000"/>
+              <a:gd name="connsiteY4" fmla="*/ 771523 h 6105524"/>
+              <a:gd name="connsiteX5" fmla="*/ 767080 w 12192000"/>
+              <a:gd name="connsiteY5" fmla="*/ 771523 h 6105524"/>
+              <a:gd name="connsiteX6" fmla="*/ 767080 w 12192000"/>
+              <a:gd name="connsiteY6" fmla="*/ 6105524 h 6105524"/>
+              <a:gd name="connsiteX7" fmla="*/ 0 w 12192000"/>
+              <a:gd name="connsiteY7" fmla="*/ 6105524 h 6105524"/>
+            </a:gdLst>
+            <a:ahLst/>
+            <a:cxnLst>
+              <a:cxn ang="0">
+                <a:pos x="connsiteX0" y="connsiteY0"/>
+              </a:cxn>
+              <a:cxn ang="0">
+                <a:pos x="connsiteX1" y="connsiteY1"/>
+              </a:cxn>
+              <a:cxn ang="0">
+                <a:pos x="connsiteX2" y="connsiteY2"/>
+              </a:cxn>
+              <a:cxn ang="0">
+                <a:pos x="connsiteX3" y="connsiteY3"/>
+              </a:cxn>
+              <a:cxn ang="0">
+                <a:pos x="connsiteX4" y="connsiteY4"/>
+              </a:cxn>
+              <a:cxn ang="0">
+                <a:pos x="connsiteX5" y="connsiteY5"/>
+              </a:cxn>
+              <a:cxn ang="0">
+                <a:pos x="connsiteX6" y="connsiteY6"/>
+              </a:cxn>
+              <a:cxn ang="0">
+                <a:pos x="connsiteX7" y="connsiteY7"/>
+              </a:cxn>
+            </a:cxnLst>
+            <a:rect l="l" t="t" r="r" b="b"/>
+            <a:pathLst>
+              <a:path w="12192000" h="6105524">
+                <a:moveTo>
+                  <a:pt x="0" y="0"/>
+                </a:moveTo>
+                <a:lnTo>
+                  <a:pt x="12192000" y="0"/>
+                </a:lnTo>
+                <a:lnTo>
+                  <a:pt x="12192000" y="6105524"/>
+                </a:lnTo>
+                <a:lnTo>
+                  <a:pt x="11435080" y="6105524"/>
+                </a:lnTo>
+                <a:lnTo>
+                  <a:pt x="11435080" y="771523"/>
+                </a:lnTo>
+                <a:lnTo>
+                  <a:pt x="767080" y="771523"/>
+                </a:lnTo>
+                <a:lnTo>
+                  <a:pt x="767080" y="6105524"/>
+                </a:lnTo>
+                <a:lnTo>
+                  <a:pt x="0" y="6105524"/>
+                </a:lnTo>
+                <a:close/>
+              </a:path>
+            </a:pathLst>
+          </a:custGeom>
+          <a:gradFill flip="none" rotWithShape="1">
+            <a:gsLst>
+              <a:gs pos="10000">
+                <a:schemeClr val="accent5"/>
+              </a:gs>
+              <a:gs pos="90000">
+                <a:schemeClr val="accent1"/>
+              </a:gs>
+              <a:gs pos="70000">
+                <a:schemeClr val="accent2"/>
+              </a:gs>
+              <a:gs pos="30000">
+                <a:schemeClr val="accent4"/>
+              </a:gs>
+              <a:gs pos="50000">
+                <a:schemeClr val="accent3">
+                  <a:lumMod val="60000"/>
+                  <a:lumOff val="40000"/>
+                </a:schemeClr>
+              </a:gs>
+            </a:gsLst>
+            <a:lin ang="7200000" scaled="0"/>
+            <a:tileRect/>
+          </a:gradFill>
+          <a:ln>
+            <a:noFill/>
+          </a:ln>
+        </p:spPr>
+        <p:style>
+          <a:lnRef idx="2">
+            <a:schemeClr val="accent1">
+              <a:shade val="50000"/>
+            </a:schemeClr>
+          </a:lnRef>
+          <a:fillRef idx="1">
+            <a:schemeClr val="accent1"/>
+          </a:fillRef>
+          <a:effectRef idx="0">
+            <a:schemeClr val="accent1"/>
+          </a:effectRef>
+          <a:fontRef idx="minor">
+            <a:schemeClr val="lt1"/>
+          </a:fontRef>
+        </p:style>
+        <p:txBody>
+          <a:bodyPr wrap="square" rtlCol="0" anchor="ctr">
+            <a:noAutofit/>
+          </a:bodyPr>
+          <a:lstStyle/>
+          <a:p>
+            <a:pPr algn="ctr"/>
+            <a:endParaRPr lang="en-US"/>
+          </a:p>
+        </p:txBody>
+      </p:sp>
+      <p:sp useBgFill="1">
+        <p:nvSpPr>
+          <p:cNvPr id="1035" name="Rectangle 1034">
+            <a:extLst>
+              <a:ext uri="{FF2B5EF4-FFF2-40B4-BE49-F238E27FC236}">
+                <a16:creationId xmlns:a16="http://schemas.microsoft.com/office/drawing/2014/main" id="{84136905-015B-4510-B514-027CBA846BD6}"/>
+              </a:ext>
+              <a:ext uri="{C183D7F6-B498-43B3-948B-1728B52AA6E4}">
+                <adec:decorative xmlns:adec="http://schemas.microsoft.com/office/drawing/2017/decorative" val="1"/>
+              </a:ext>
+            </a:extLst>
+          </p:cNvPr>
+          <p:cNvSpPr>
+            <a:spLocks noGrp="1" noRot="1" noChangeAspect="1" noMove="1" noResize="1" noEditPoints="1" noAdjustHandles="1" noChangeArrowheads="1" noChangeShapeType="1" noTextEdit="1"/>
+          </p:cNvSpPr>
+          <p:nvPr>
+            <p:extLst>
+              <p:ext uri="{386F3935-93C4-4BCD-93E2-E3B085C9AB24}">
+                <p16:designElem xmlns:p16="http://schemas.microsoft.com/office/powerpoint/2015/main" val="1"/>
+              </p:ext>
+            </p:extLst>
+          </p:nvPr>
+        </p:nvSpPr>
+        <p:spPr>
+          <a:xfrm>
+            <a:off x="0" y="0"/>
+            <a:ext cx="12192000" cy="6858000"/>
+          </a:xfrm>
+          <a:prstGeom prst="rect">
+            <a:avLst/>
+          </a:prstGeom>
+          <a:ln>
+            <a:noFill/>
+          </a:ln>
+        </p:spPr>
+        <p:style>
+          <a:lnRef idx="2">
+            <a:schemeClr val="accent1">
+              <a:shade val="50000"/>
+            </a:schemeClr>
+          </a:lnRef>
+          <a:fillRef idx="1">
+            <a:schemeClr val="accent1"/>
+          </a:fillRef>
+          <a:effectRef idx="0">
+            <a:schemeClr val="accent1"/>
+          </a:effectRef>
+          <a:fontRef idx="minor">
+            <a:schemeClr val="lt1"/>
+          </a:fontRef>
+        </p:style>
+        <p:txBody>
+          <a:bodyPr rtlCol="0" anchor="ctr"/>
+          <a:lstStyle/>
+          <a:p>
+            <a:pPr algn="ctr"/>
+            <a:endParaRPr lang="en-US"/>
+          </a:p>
+        </p:txBody>
+      </p:sp>
+      <p:sp>
+        <p:nvSpPr>
+          <p:cNvPr id="1037" name="Rectangle 1036">
+            <a:extLst>
+              <a:ext uri="{FF2B5EF4-FFF2-40B4-BE49-F238E27FC236}">
+                <a16:creationId xmlns:a16="http://schemas.microsoft.com/office/drawing/2014/main" id="{36CD0F97-2E5B-4E84-8544-EB24DED10446}"/>
+              </a:ext>
+              <a:ext uri="{C183D7F6-B498-43B3-948B-1728B52AA6E4}">
+                <adec:decorative xmlns:adec="http://schemas.microsoft.com/office/drawing/2017/decorative" val="1"/>
+              </a:ext>
+            </a:extLst>
+          </p:cNvPr>
+          <p:cNvSpPr>
+            <a:spLocks noGrp="1" noRot="1" noChangeAspect="1" noMove="1" noResize="1" noEditPoints="1" noAdjustHandles="1" noChangeArrowheads="1" noChangeShapeType="1" noTextEdit="1"/>
+          </p:cNvSpPr>
+          <p:nvPr>
+            <p:extLst>
+              <p:ext uri="{386F3935-93C4-4BCD-93E2-E3B085C9AB24}">
+                <p16:designElem xmlns:p16="http://schemas.microsoft.com/office/powerpoint/2015/main" val="1"/>
+              </p:ext>
+            </p:extLst>
+          </p:nvPr>
+        </p:nvSpPr>
+        <p:spPr>
+          <a:xfrm>
+            <a:off x="0" y="-1"/>
+            <a:ext cx="12192000" cy="6099048"/>
+          </a:xfrm>
+          <a:prstGeom prst="rect">
+            <a:avLst/>
+          </a:prstGeom>
+          <a:gradFill flip="none" rotWithShape="1">
+            <a:gsLst>
+              <a:gs pos="10000">
+                <a:schemeClr val="accent5"/>
+              </a:gs>
+              <a:gs pos="90000">
+                <a:schemeClr val="accent1"/>
+              </a:gs>
+              <a:gs pos="70000">
+                <a:schemeClr val="accent2"/>
+              </a:gs>
+              <a:gs pos="30000">
+                <a:schemeClr val="accent4"/>
+              </a:gs>
+              <a:gs pos="50000">
+                <a:schemeClr val="accent3">
+                  <a:lumMod val="60000"/>
+                  <a:lumOff val="40000"/>
+                </a:schemeClr>
+              </a:gs>
+            </a:gsLst>
+            <a:lin ang="7200000" scaled="0"/>
+            <a:tileRect/>
+          </a:gradFill>
+          <a:ln>
+            <a:noFill/>
+          </a:ln>
+        </p:spPr>
+        <p:style>
+          <a:lnRef idx="2">
+            <a:schemeClr val="accent1">
+              <a:shade val="50000"/>
+            </a:schemeClr>
+          </a:lnRef>
+          <a:fillRef idx="1">
+            <a:schemeClr val="accent1"/>
+          </a:fillRef>
+          <a:effectRef idx="0">
+            <a:schemeClr val="accent1"/>
+          </a:effectRef>
+          <a:fontRef idx="minor">
+            <a:schemeClr val="lt1"/>
+          </a:fontRef>
+        </p:style>
+        <p:txBody>
+          <a:bodyPr rtlCol="0" anchor="ctr"/>
+          <a:lstStyle/>
+          <a:p>
+            <a:pPr algn="ctr"/>
+            <a:endParaRPr lang="en-US"/>
+          </a:p>
+        </p:txBody>
+      </p:sp>
+      <p:sp useBgFill="1">
+        <p:nvSpPr>
+          <p:cNvPr id="1039" name="Freeform: Shape 1038">
+            <a:extLst>
+              <a:ext uri="{FF2B5EF4-FFF2-40B4-BE49-F238E27FC236}">
+                <a16:creationId xmlns:a16="http://schemas.microsoft.com/office/drawing/2014/main" id="{86D83120-1216-4F9D-BDFA-D1A593CB8007}"/>
+              </a:ext>
+              <a:ext uri="{C183D7F6-B498-43B3-948B-1728B52AA6E4}">
+                <adec:decorative xmlns:adec="http://schemas.microsoft.com/office/drawing/2017/decorative" val="1"/>
+              </a:ext>
+            </a:extLst>
+          </p:cNvPr>
+          <p:cNvSpPr>
+            <a:spLocks noGrp="1" noRot="1" noChangeAspect="1" noMove="1" noResize="1" noEditPoints="1" noAdjustHandles="1" noChangeArrowheads="1" noChangeShapeType="1" noTextEdit="1"/>
+          </p:cNvSpPr>
+          <p:nvPr>
+            <p:extLst>
+              <p:ext uri="{386F3935-93C4-4BCD-93E2-E3B085C9AB24}">
+                <p16:designElem xmlns:p16="http://schemas.microsoft.com/office/powerpoint/2015/main" val="1"/>
+              </p:ext>
+            </p:extLst>
+          </p:nvPr>
+        </p:nvSpPr>
+        <p:spPr>
+          <a:xfrm>
+            <a:off x="0" y="0"/>
+            <a:ext cx="11429999" cy="6309364"/>
+          </a:xfrm>
+          <a:custGeom>
+            <a:avLst/>
+            <a:gdLst>
+              <a:gd name="connsiteX0" fmla="*/ 0 w 11429999"/>
+              <a:gd name="connsiteY0" fmla="*/ 0 h 6309364"/>
+              <a:gd name="connsiteX1" fmla="*/ 4065922 w 11429999"/>
+              <a:gd name="connsiteY1" fmla="*/ 0 h 6309364"/>
+              <a:gd name="connsiteX2" fmla="*/ 4065922 w 11429999"/>
+              <a:gd name="connsiteY2" fmla="*/ 762001 h 6309364"/>
+              <a:gd name="connsiteX3" fmla="*/ 11429999 w 11429999"/>
+              <a:gd name="connsiteY3" fmla="*/ 762001 h 6309364"/>
+              <a:gd name="connsiteX4" fmla="*/ 11429999 w 11429999"/>
+              <a:gd name="connsiteY4" fmla="*/ 6309363 h 6309364"/>
+              <a:gd name="connsiteX5" fmla="*/ 4065922 w 11429999"/>
+              <a:gd name="connsiteY5" fmla="*/ 6309363 h 6309364"/>
+              <a:gd name="connsiteX6" fmla="*/ 4065922 w 11429999"/>
+              <a:gd name="connsiteY6" fmla="*/ 6309364 h 6309364"/>
+              <a:gd name="connsiteX7" fmla="*/ 0 w 11429999"/>
+              <a:gd name="connsiteY7" fmla="*/ 6309364 h 6309364"/>
+            </a:gdLst>
+            <a:ahLst/>
+            <a:cxnLst>
+              <a:cxn ang="0">
+                <a:pos x="connsiteX0" y="connsiteY0"/>
+              </a:cxn>
+              <a:cxn ang="0">
+                <a:pos x="connsiteX1" y="connsiteY1"/>
+              </a:cxn>
+              <a:cxn ang="0">
+                <a:pos x="connsiteX2" y="connsiteY2"/>
+              </a:cxn>
+              <a:cxn ang="0">
+                <a:pos x="connsiteX3" y="connsiteY3"/>
+              </a:cxn>
+              <a:cxn ang="0">
+                <a:pos x="connsiteX4" y="connsiteY4"/>
+              </a:cxn>
+              <a:cxn ang="0">
+                <a:pos x="connsiteX5" y="connsiteY5"/>
+              </a:cxn>
+              <a:cxn ang="0">
+                <a:pos x="connsiteX6" y="connsiteY6"/>
+              </a:cxn>
+              <a:cxn ang="0">
+                <a:pos x="connsiteX7" y="connsiteY7"/>
+              </a:cxn>
+            </a:cxnLst>
+            <a:rect l="l" t="t" r="r" b="b"/>
+            <a:pathLst>
+              <a:path w="11429999" h="6309364">
+                <a:moveTo>
+                  <a:pt x="0" y="0"/>
+                </a:moveTo>
+                <a:lnTo>
+                  <a:pt x="4065922" y="0"/>
+                </a:lnTo>
+                <a:lnTo>
+                  <a:pt x="4065922" y="762001"/>
+                </a:lnTo>
+                <a:lnTo>
+                  <a:pt x="11429999" y="762001"/>
+                </a:lnTo>
+                <a:lnTo>
+                  <a:pt x="11429999" y="6309363"/>
+                </a:lnTo>
+                <a:lnTo>
+                  <a:pt x="4065922" y="6309363"/>
+                </a:lnTo>
+                <a:lnTo>
+                  <a:pt x="4065922" y="6309364"/>
+                </a:lnTo>
+                <a:lnTo>
+                  <a:pt x="0" y="6309364"/>
+                </a:lnTo>
+                <a:close/>
+              </a:path>
+            </a:pathLst>
+          </a:custGeom>
+          <a:ln>
+            <a:noFill/>
+          </a:ln>
+        </p:spPr>
+        <p:style>
+          <a:lnRef idx="2">
+            <a:schemeClr val="accent1">
+              <a:shade val="50000"/>
+            </a:schemeClr>
+          </a:lnRef>
+          <a:fillRef idx="1">
+            <a:schemeClr val="accent1"/>
+          </a:fillRef>
+          <a:effectRef idx="0">
+            <a:schemeClr val="accent1"/>
+          </a:effectRef>
+          <a:fontRef idx="minor">
+            <a:schemeClr val="lt1"/>
+          </a:fontRef>
+        </p:style>
+        <p:txBody>
+          <a:bodyPr wrap="square" rtlCol="0" anchor="ctr">
+            <a:noAutofit/>
+          </a:bodyPr>
+          <a:lstStyle/>
+          <a:p>
+            <a:pPr algn="ctr"/>
+            <a:endParaRPr lang="en-US"/>
+          </a:p>
+        </p:txBody>
+      </p:sp>
+      <p:sp>
+        <p:nvSpPr>
+          <p:cNvPr id="2" name="Title 1">
+            <a:extLst>
+              <a:ext uri="{FF2B5EF4-FFF2-40B4-BE49-F238E27FC236}">
+                <a16:creationId xmlns:a16="http://schemas.microsoft.com/office/drawing/2014/main" id="{1767377F-9D12-A062-91D1-000FF3BCF080}"/>
+              </a:ext>
+            </a:extLst>
+          </p:cNvPr>
+          <p:cNvSpPr>
+            <a:spLocks noGrp="1"/>
+          </p:cNvSpPr>
+          <p:nvPr>
+            <p:ph type="title"/>
+          </p:nvPr>
+        </p:nvSpPr>
+        <p:spPr>
+          <a:xfrm>
+            <a:off x="4722314" y="912528"/>
+            <a:ext cx="5841014" cy="1344613"/>
+          </a:xfrm>
+        </p:spPr>
+        <p:txBody>
+          <a:bodyPr vert="horz" lIns="91440" tIns="45720" rIns="91440" bIns="45720" rtlCol="0" anchor="t">
+            <a:normAutofit/>
+          </a:bodyPr>
+          <a:lstStyle/>
+          <a:p>
+            <a:pPr>
+              <a:lnSpc>
+                <a:spcPct val="95000"/>
+              </a:lnSpc>
+            </a:pPr>
+            <a:r>
+              <a:rPr lang="en-US" sz="4200" kern="1200" spc="-50" baseline="0" dirty="0">
+                <a:solidFill>
+                  <a:schemeClr val="tx1"/>
+                </a:solidFill>
+                <a:latin typeface="+mj-lt"/>
+                <a:ea typeface="+mj-ea"/>
+                <a:cs typeface="+mj-cs"/>
+              </a:rPr>
+              <a:t>Upscaling</a:t>
+            </a:r>
+          </a:p>
+        </p:txBody>
+      </p:sp>
+      <p:pic>
+        <p:nvPicPr>
+          <p:cNvPr id="6" name="Picture 5">
+            <a:extLst>
+              <a:ext uri="{FF2B5EF4-FFF2-40B4-BE49-F238E27FC236}">
+                <a16:creationId xmlns:a16="http://schemas.microsoft.com/office/drawing/2014/main" id="{46B8E2F5-23B1-6AFA-4B51-A3140F3913DF}"/>
+              </a:ext>
+            </a:extLst>
+          </p:cNvPr>
+          <p:cNvPicPr>
+            <a:picLocks noChangeAspect="1"/>
+          </p:cNvPicPr>
+          <p:nvPr/>
+        </p:nvPicPr>
+        <p:blipFill>
+          <a:blip r:embed="rId2"/>
+          <a:stretch>
+            <a:fillRect/>
+          </a:stretch>
+        </p:blipFill>
+        <p:spPr>
+          <a:xfrm>
+            <a:off x="1530350" y="2862263"/>
+            <a:ext cx="1647805" cy="1554091"/>
+          </a:xfrm>
+          <a:prstGeom prst="rect">
+            <a:avLst/>
+          </a:prstGeom>
+        </p:spPr>
+      </p:pic>
+      <p:pic>
+        <p:nvPicPr>
+          <p:cNvPr id="1028" name="Picture 4" descr="Enlarge image - Free interface icons">
+            <a:extLst>
+              <a:ext uri="{FF2B5EF4-FFF2-40B4-BE49-F238E27FC236}">
+                <a16:creationId xmlns:a16="http://schemas.microsoft.com/office/drawing/2014/main" id="{7507B31E-9B30-9E25-4A9A-5305819A3FC7}"/>
+              </a:ext>
+            </a:extLst>
+          </p:cNvPr>
+          <p:cNvPicPr>
+            <a:picLocks noChangeAspect="1" noChangeArrowheads="1"/>
+          </p:cNvPicPr>
+          <p:nvPr/>
+        </p:nvPicPr>
+        <p:blipFill>
+          <a:blip r:embed="rId3">
+            <a:extLst>
+              <a:ext uri="{28A0092B-C50C-407E-A947-70E740481C1C}">
+                <a14:useLocalDpi xmlns:a14="http://schemas.microsoft.com/office/drawing/2010/main" val="0"/>
+              </a:ext>
+            </a:extLst>
+          </a:blip>
+          <a:stretch>
+            <a:fillRect/>
+          </a:stretch>
+        </p:blipFill>
+        <p:spPr bwMode="auto">
+          <a:xfrm>
+            <a:off x="1622532" y="4903799"/>
+            <a:ext cx="1571486" cy="1571486"/>
+          </a:xfrm>
+          <a:prstGeom prst="rect">
+            <a:avLst/>
+          </a:prstGeom>
+          <a:noFill/>
+          <a:extLst>
+            <a:ext uri="{909E8E84-426E-40DD-AFC4-6F175D3DCCD1}">
+              <a14:hiddenFill xmlns:a14="http://schemas.microsoft.com/office/drawing/2010/main">
+                <a:solidFill>
+                  <a:srgbClr val="FFFFFF"/>
+                </a:solidFill>
+              </a14:hiddenFill>
+            </a:ext>
+          </a:extLst>
+        </p:spPr>
+      </p:pic>
+      <p:pic>
+        <p:nvPicPr>
+          <p:cNvPr id="1026" name="Picture 2" descr="Free Clipart: Loop Arrow | scyg">
+            <a:extLst>
+              <a:ext uri="{FF2B5EF4-FFF2-40B4-BE49-F238E27FC236}">
+                <a16:creationId xmlns:a16="http://schemas.microsoft.com/office/drawing/2014/main" id="{D28F2645-6CA6-166C-C568-2E44714F1AEA}"/>
+              </a:ext>
+            </a:extLst>
+          </p:cNvPr>
+          <p:cNvPicPr>
+            <a:picLocks noChangeAspect="1" noChangeArrowheads="1"/>
+          </p:cNvPicPr>
+          <p:nvPr/>
+        </p:nvPicPr>
+        <p:blipFill>
+          <a:blip r:embed="rId4">
+            <a:extLst>
+              <a:ext uri="{28A0092B-C50C-407E-A947-70E740481C1C}">
+                <a14:useLocalDpi xmlns:a14="http://schemas.microsoft.com/office/drawing/2010/main" val="0"/>
+              </a:ext>
+            </a:extLst>
+          </a:blip>
+          <a:stretch>
+            <a:fillRect/>
+          </a:stretch>
+        </p:blipFill>
+        <p:spPr bwMode="auto">
+          <a:xfrm>
+            <a:off x="1813813" y="1078457"/>
+            <a:ext cx="1188924" cy="1579966"/>
+          </a:xfrm>
+          <a:prstGeom prst="rect">
+            <a:avLst/>
+          </a:prstGeom>
+          <a:noFill/>
+          <a:extLst>
+            <a:ext uri="{909E8E84-426E-40DD-AFC4-6F175D3DCCD1}">
+              <a14:hiddenFill xmlns:a14="http://schemas.microsoft.com/office/drawing/2010/main">
+                <a:solidFill>
+                  <a:srgbClr val="FFFFFF"/>
+                </a:solidFill>
+              </a14:hiddenFill>
+            </a:ext>
+          </a:extLst>
+        </p:spPr>
+      </p:pic>
+      <p:sp>
+        <p:nvSpPr>
+          <p:cNvPr id="4" name="Text Placeholder 3">
+            <a:extLst>
+              <a:ext uri="{FF2B5EF4-FFF2-40B4-BE49-F238E27FC236}">
+                <a16:creationId xmlns:a16="http://schemas.microsoft.com/office/drawing/2014/main" id="{13AAF987-9D23-E956-06E2-600A20D46AB3}"/>
+              </a:ext>
+            </a:extLst>
+          </p:cNvPr>
+          <p:cNvSpPr>
+            <a:spLocks noGrp="1"/>
+          </p:cNvSpPr>
+          <p:nvPr>
+            <p:ph type="body" sz="half" idx="2"/>
+          </p:nvPr>
+        </p:nvSpPr>
+        <p:spPr>
+          <a:xfrm>
+            <a:off x="4816550" y="2970213"/>
+            <a:ext cx="5845100" cy="3125787"/>
+          </a:xfrm>
+        </p:spPr>
+        <p:txBody>
+          <a:bodyPr vert="horz" lIns="91440" tIns="45720" rIns="91440" bIns="45720" rtlCol="0">
+            <a:normAutofit/>
+          </a:bodyPr>
+          <a:lstStyle/>
+          <a:p>
+            <a:pPr marL="342900" indent="-342900">
+              <a:buFont typeface="Arial" panose="020B0604020202020204" pitchFamily="34" charset="0"/>
+              <a:buChar char="•"/>
+            </a:pPr>
+            <a:r>
+              <a:rPr lang="en-US"/>
+              <a:t>Run it again</a:t>
+            </a:r>
+          </a:p>
+          <a:p>
+            <a:pPr marL="342900" indent="-342900">
+              <a:buFont typeface="Arial" panose="020B0604020202020204" pitchFamily="34" charset="0"/>
+              <a:buChar char="•"/>
+            </a:pPr>
+            <a:endParaRPr lang="en-US"/>
+          </a:p>
+          <a:p>
+            <a:pPr marL="342900" indent="-342900">
+              <a:buFont typeface="Arial" panose="020B0604020202020204" pitchFamily="34" charset="0"/>
+              <a:buChar char="•"/>
+            </a:pPr>
+            <a:r>
+              <a:rPr lang="en-US"/>
+              <a:t>More</a:t>
+            </a:r>
+          </a:p>
+          <a:p>
+            <a:pPr marL="342900" indent="-342900">
+              <a:buFont typeface="Arial" panose="020B0604020202020204" pitchFamily="34" charset="0"/>
+              <a:buChar char="•"/>
+            </a:pPr>
+            <a:endParaRPr lang="en-US"/>
+          </a:p>
+          <a:p>
+            <a:pPr marL="342900" indent="-342900">
+              <a:buFont typeface="Arial" panose="020B0604020202020204" pitchFamily="34" charset="0"/>
+              <a:buChar char="•"/>
+            </a:pPr>
+            <a:r>
+              <a:rPr lang="en-US"/>
+              <a:t>Bigger</a:t>
+            </a:r>
+          </a:p>
+        </p:txBody>
+      </p:sp>
+    </p:spTree>
+    <p:extLst>
+      <p:ext uri="{BB962C8B-B14F-4D97-AF65-F5344CB8AC3E}">
+        <p14:creationId xmlns:p14="http://schemas.microsoft.com/office/powerpoint/2010/main" val="138551006"/>
+      </p:ext>
+    </p:extLst>
+  </p:cSld>
+  <p:clrMapOvr>
+    <a:masterClrMapping/>
+  </p:clrMapOvr>
+</p:sld>
+</file>
+
+<file path=ppt/slides/slide6.xml><?xml version="1.0" encoding="utf-8"?>
+<p:sld xmlns:a="http://schemas.openxmlformats.org/drawingml/2006/main" xmlns:r="http://schemas.openxmlformats.org/officeDocument/2006/relationships" xmlns:p="http://schemas.openxmlformats.org/presentationml/2006/main">
+  <p:cSld>
+    <p:bg>
+      <p:bgPr>
+        <a:solidFill>
+          <a:schemeClr val="bg1"/>
+        </a:solidFill>
+        <a:effectLst/>
+      </p:bgPr>
+    </p:bg>
+    <p:spTree>
+      <p:nvGrpSpPr>
+        <p:cNvPr id="1" name=""/>
+        <p:cNvGrpSpPr/>
+        <p:nvPr/>
+      </p:nvGrpSpPr>
+      <p:grpSpPr>
+        <a:xfrm>
+          <a:off x="0" y="0"/>
+          <a:ext cx="0" cy="0"/>
+          <a:chOff x="0" y="0"/>
+          <a:chExt cx="0" cy="0"/>
+        </a:xfrm>
+      </p:grpSpPr>
+      <p:sp>
+        <p:nvSpPr>
+          <p:cNvPr id="2055" name="Freeform: Shape 2054">
+            <a:extLst>
+              <a:ext uri="{FF2B5EF4-FFF2-40B4-BE49-F238E27FC236}">
+                <a16:creationId xmlns:a16="http://schemas.microsoft.com/office/drawing/2014/main" id="{49306479-8C4D-4E4A-A330-DFC80A8A01BE}"/>
+              </a:ext>
+              <a:ext uri="{C183D7F6-B498-43B3-948B-1728B52AA6E4}">
+                <adec:decorative xmlns:adec="http://schemas.microsoft.com/office/drawing/2017/decorative" val="1"/>
+              </a:ext>
+            </a:extLst>
+          </p:cNvPr>
+          <p:cNvSpPr>
+            <a:spLocks noGrp="1" noRot="1" noChangeAspect="1" noMove="1" noResize="1" noEditPoints="1" noAdjustHandles="1" noChangeArrowheads="1" noChangeShapeType="1" noTextEdit="1"/>
+          </p:cNvSpPr>
+          <p:nvPr>
+            <p:extLst>
+              <p:ext uri="{386F3935-93C4-4BCD-93E2-E3B085C9AB24}">
+                <p16:designElem xmlns:p16="http://schemas.microsoft.com/office/powerpoint/2015/main" val="1"/>
+              </p:ext>
+            </p:extLst>
+          </p:nvPr>
+        </p:nvSpPr>
+        <p:spPr>
+          <a:xfrm>
+            <a:off x="0" y="0"/>
+            <a:ext cx="12192000" cy="6105524"/>
+          </a:xfrm>
+          <a:custGeom>
+            <a:avLst/>
+            <a:gdLst>
+              <a:gd name="connsiteX0" fmla="*/ 0 w 12192000"/>
+              <a:gd name="connsiteY0" fmla="*/ 0 h 6105524"/>
+              <a:gd name="connsiteX1" fmla="*/ 12192000 w 12192000"/>
+              <a:gd name="connsiteY1" fmla="*/ 0 h 6105524"/>
+              <a:gd name="connsiteX2" fmla="*/ 12192000 w 12192000"/>
+              <a:gd name="connsiteY2" fmla="*/ 6105524 h 6105524"/>
+              <a:gd name="connsiteX3" fmla="*/ 11435080 w 12192000"/>
+              <a:gd name="connsiteY3" fmla="*/ 6105524 h 6105524"/>
+              <a:gd name="connsiteX4" fmla="*/ 11435080 w 12192000"/>
+              <a:gd name="connsiteY4" fmla="*/ 771523 h 6105524"/>
+              <a:gd name="connsiteX5" fmla="*/ 767080 w 12192000"/>
+              <a:gd name="connsiteY5" fmla="*/ 771523 h 6105524"/>
+              <a:gd name="connsiteX6" fmla="*/ 767080 w 12192000"/>
+              <a:gd name="connsiteY6" fmla="*/ 6105524 h 6105524"/>
+              <a:gd name="connsiteX7" fmla="*/ 0 w 12192000"/>
+              <a:gd name="connsiteY7" fmla="*/ 6105524 h 6105524"/>
+            </a:gdLst>
+            <a:ahLst/>
+            <a:cxnLst>
+              <a:cxn ang="0">
+                <a:pos x="connsiteX0" y="connsiteY0"/>
+              </a:cxn>
+              <a:cxn ang="0">
+                <a:pos x="connsiteX1" y="connsiteY1"/>
+              </a:cxn>
+              <a:cxn ang="0">
+                <a:pos x="connsiteX2" y="connsiteY2"/>
+              </a:cxn>
+              <a:cxn ang="0">
+                <a:pos x="connsiteX3" y="connsiteY3"/>
+              </a:cxn>
+              <a:cxn ang="0">
+                <a:pos x="connsiteX4" y="connsiteY4"/>
+              </a:cxn>
+              <a:cxn ang="0">
+                <a:pos x="connsiteX5" y="connsiteY5"/>
+              </a:cxn>
+              <a:cxn ang="0">
+                <a:pos x="connsiteX6" y="connsiteY6"/>
+              </a:cxn>
+              <a:cxn ang="0">
+                <a:pos x="connsiteX7" y="connsiteY7"/>
+              </a:cxn>
+            </a:cxnLst>
+            <a:rect l="l" t="t" r="r" b="b"/>
+            <a:pathLst>
+              <a:path w="12192000" h="6105524">
+                <a:moveTo>
+                  <a:pt x="0" y="0"/>
+                </a:moveTo>
+                <a:lnTo>
+                  <a:pt x="12192000" y="0"/>
+                </a:lnTo>
+                <a:lnTo>
+                  <a:pt x="12192000" y="6105524"/>
+                </a:lnTo>
+                <a:lnTo>
+                  <a:pt x="11435080" y="6105524"/>
+                </a:lnTo>
+                <a:lnTo>
+                  <a:pt x="11435080" y="771523"/>
+                </a:lnTo>
+                <a:lnTo>
+                  <a:pt x="767080" y="771523"/>
+                </a:lnTo>
+                <a:lnTo>
+                  <a:pt x="767080" y="6105524"/>
+                </a:lnTo>
+                <a:lnTo>
+                  <a:pt x="0" y="6105524"/>
+                </a:lnTo>
+                <a:close/>
+              </a:path>
+            </a:pathLst>
+          </a:custGeom>
+          <a:gradFill flip="none" rotWithShape="1">
+            <a:gsLst>
+              <a:gs pos="10000">
+                <a:schemeClr val="accent5"/>
+              </a:gs>
+              <a:gs pos="90000">
+                <a:schemeClr val="accent1"/>
+              </a:gs>
+              <a:gs pos="70000">
+                <a:schemeClr val="accent2"/>
+              </a:gs>
+              <a:gs pos="30000">
+                <a:schemeClr val="accent4"/>
+              </a:gs>
+              <a:gs pos="50000">
+                <a:schemeClr val="accent3">
+                  <a:lumMod val="60000"/>
+                  <a:lumOff val="40000"/>
+                </a:schemeClr>
+              </a:gs>
+            </a:gsLst>
+            <a:lin ang="7200000" scaled="0"/>
+            <a:tileRect/>
+          </a:gradFill>
+          <a:ln>
+            <a:noFill/>
+          </a:ln>
+        </p:spPr>
+        <p:style>
+          <a:lnRef idx="2">
+            <a:schemeClr val="accent1">
+              <a:shade val="50000"/>
+            </a:schemeClr>
+          </a:lnRef>
+          <a:fillRef idx="1">
+            <a:schemeClr val="accent1"/>
+          </a:fillRef>
+          <a:effectRef idx="0">
+            <a:schemeClr val="accent1"/>
+          </a:effectRef>
+          <a:fontRef idx="minor">
+            <a:schemeClr val="lt1"/>
+          </a:fontRef>
+        </p:style>
+        <p:txBody>
+          <a:bodyPr wrap="square" rtlCol="0" anchor="ctr">
+            <a:noAutofit/>
+          </a:bodyPr>
+          <a:lstStyle/>
+          <a:p>
+            <a:pPr algn="ctr"/>
+            <a:endParaRPr lang="en-US"/>
+          </a:p>
+        </p:txBody>
+      </p:sp>
+      <p:sp useBgFill="1">
+        <p:nvSpPr>
+          <p:cNvPr id="2057" name="Rectangle 2056">
+            <a:extLst>
+              <a:ext uri="{FF2B5EF4-FFF2-40B4-BE49-F238E27FC236}">
+                <a16:creationId xmlns:a16="http://schemas.microsoft.com/office/drawing/2014/main" id="{9B45BA4C-9B54-4496-821F-9E0985CA984D}"/>
+              </a:ext>
+              <a:ext uri="{C183D7F6-B498-43B3-948B-1728B52AA6E4}">
+                <adec:decorative xmlns:adec="http://schemas.microsoft.com/office/drawing/2017/decorative" val="1"/>
+              </a:ext>
+            </a:extLst>
+          </p:cNvPr>
+          <p:cNvSpPr>
+            <a:spLocks noGrp="1" noRot="1" noChangeAspect="1" noMove="1" noResize="1" noEditPoints="1" noAdjustHandles="1" noChangeArrowheads="1" noChangeShapeType="1" noTextEdit="1"/>
+          </p:cNvSpPr>
+          <p:nvPr>
+            <p:extLst>
+              <p:ext uri="{386F3935-93C4-4BCD-93E2-E3B085C9AB24}">
+                <p16:designElem xmlns:p16="http://schemas.microsoft.com/office/powerpoint/2015/main" val="1"/>
+              </p:ext>
+            </p:extLst>
+          </p:nvPr>
+        </p:nvSpPr>
+        <p:spPr>
+          <a:xfrm>
+            <a:off x="0" y="0"/>
+            <a:ext cx="12192000" cy="6858000"/>
+          </a:xfrm>
+          <a:prstGeom prst="rect">
+            <a:avLst/>
+          </a:prstGeom>
+          <a:ln>
+            <a:noFill/>
+          </a:ln>
+        </p:spPr>
+        <p:style>
+          <a:lnRef idx="2">
+            <a:schemeClr val="accent1">
+              <a:shade val="50000"/>
+            </a:schemeClr>
+          </a:lnRef>
+          <a:fillRef idx="1">
+            <a:schemeClr val="accent1"/>
+          </a:fillRef>
+          <a:effectRef idx="0">
+            <a:schemeClr val="accent1"/>
+          </a:effectRef>
+          <a:fontRef idx="minor">
+            <a:schemeClr val="lt1"/>
+          </a:fontRef>
+        </p:style>
+        <p:txBody>
+          <a:bodyPr rtlCol="0" anchor="ctr"/>
+          <a:lstStyle/>
+          <a:p>
+            <a:pPr algn="ctr"/>
+            <a:endParaRPr lang="en-US"/>
+          </a:p>
+        </p:txBody>
+      </p:sp>
+      <p:sp>
+        <p:nvSpPr>
+          <p:cNvPr id="2059" name="Rectangle 2058">
+            <a:extLst>
+              <a:ext uri="{FF2B5EF4-FFF2-40B4-BE49-F238E27FC236}">
+                <a16:creationId xmlns:a16="http://schemas.microsoft.com/office/drawing/2014/main" id="{117B5C06-12CC-49EF-A907-08F1B132CAE2}"/>
+              </a:ext>
+              <a:ext uri="{C183D7F6-B498-43B3-948B-1728B52AA6E4}">
+                <adec:decorative xmlns:adec="http://schemas.microsoft.com/office/drawing/2017/decorative" val="1"/>
+              </a:ext>
+            </a:extLst>
+          </p:cNvPr>
+          <p:cNvSpPr>
+            <a:spLocks noGrp="1" noRot="1" noChangeAspect="1" noMove="1" noResize="1" noEditPoints="1" noAdjustHandles="1" noChangeArrowheads="1" noChangeShapeType="1" noTextEdit="1"/>
+          </p:cNvSpPr>
+          <p:nvPr>
+            <p:extLst>
+              <p:ext uri="{386F3935-93C4-4BCD-93E2-E3B085C9AB24}">
+                <p16:designElem xmlns:p16="http://schemas.microsoft.com/office/powerpoint/2015/main" val="1"/>
+              </p:ext>
+            </p:extLst>
+          </p:nvPr>
+        </p:nvSpPr>
+        <p:spPr>
+          <a:xfrm>
+            <a:off x="0" y="0"/>
+            <a:ext cx="12192000" cy="6099048"/>
+          </a:xfrm>
+          <a:prstGeom prst="rect">
+            <a:avLst/>
+          </a:prstGeom>
+          <a:gradFill flip="none" rotWithShape="1">
+            <a:gsLst>
+              <a:gs pos="10000">
+                <a:schemeClr val="accent5"/>
+              </a:gs>
+              <a:gs pos="90000">
+                <a:schemeClr val="accent1"/>
+              </a:gs>
+              <a:gs pos="70000">
+                <a:schemeClr val="accent2"/>
+              </a:gs>
+              <a:gs pos="30000">
+                <a:schemeClr val="accent4"/>
+              </a:gs>
+              <a:gs pos="50000">
+                <a:schemeClr val="accent3">
+                  <a:lumMod val="60000"/>
+                  <a:lumOff val="40000"/>
+                </a:schemeClr>
+              </a:gs>
+            </a:gsLst>
+            <a:lin ang="7200000" scaled="0"/>
+            <a:tileRect/>
+          </a:gradFill>
+          <a:ln>
+            <a:noFill/>
+          </a:ln>
+        </p:spPr>
+        <p:style>
+          <a:lnRef idx="2">
+            <a:schemeClr val="accent1">
+              <a:shade val="50000"/>
+            </a:schemeClr>
+          </a:lnRef>
+          <a:fillRef idx="1">
+            <a:schemeClr val="accent1"/>
+          </a:fillRef>
+          <a:effectRef idx="0">
+            <a:schemeClr val="accent1"/>
+          </a:effectRef>
+          <a:fontRef idx="minor">
+            <a:schemeClr val="lt1"/>
+          </a:fontRef>
+        </p:style>
+        <p:txBody>
+          <a:bodyPr rtlCol="0" anchor="ctr"/>
+          <a:lstStyle/>
+          <a:p>
+            <a:pPr algn="ctr"/>
+            <a:endParaRPr lang="en-US"/>
+          </a:p>
+        </p:txBody>
+      </p:sp>
+      <p:sp useBgFill="1">
+        <p:nvSpPr>
+          <p:cNvPr id="2061" name="Rectangle 2060">
+            <a:extLst>
+              <a:ext uri="{FF2B5EF4-FFF2-40B4-BE49-F238E27FC236}">
+                <a16:creationId xmlns:a16="http://schemas.microsoft.com/office/drawing/2014/main" id="{BF7A785F-38D2-4D69-B6F1-ADCED2B8F1DA}"/>
+              </a:ext>
+              <a:ext uri="{C183D7F6-B498-43B3-948B-1728B52AA6E4}">
+                <adec:decorative xmlns:adec="http://schemas.microsoft.com/office/drawing/2017/decorative" val="1"/>
+              </a:ext>
+            </a:extLst>
+          </p:cNvPr>
+          <p:cNvSpPr>
+            <a:spLocks noGrp="1" noRot="1" noChangeAspect="1" noMove="1" noResize="1" noEditPoints="1" noAdjustHandles="1" noChangeArrowheads="1" noChangeShapeType="1" noTextEdit="1"/>
+          </p:cNvSpPr>
+          <p:nvPr>
+            <p:extLst>
+              <p:ext uri="{386F3935-93C4-4BCD-93E2-E3B085C9AB24}">
+                <p16:designElem xmlns:p16="http://schemas.microsoft.com/office/powerpoint/2015/main" val="1"/>
+              </p:ext>
+            </p:extLst>
+          </p:nvPr>
+        </p:nvSpPr>
+        <p:spPr>
+          <a:xfrm>
+            <a:off x="0" y="0"/>
+            <a:ext cx="5334003" cy="6175613"/>
+          </a:xfrm>
+          <a:prstGeom prst="rect">
+            <a:avLst/>
+          </a:prstGeom>
+          <a:ln>
+            <a:noFill/>
+          </a:ln>
+        </p:spPr>
+        <p:style>
+          <a:lnRef idx="2">
+            <a:schemeClr val="accent1">
+              <a:shade val="50000"/>
+            </a:schemeClr>
+          </a:lnRef>
+          <a:fillRef idx="1">
+            <a:schemeClr val="accent1"/>
+          </a:fillRef>
+          <a:effectRef idx="0">
+            <a:schemeClr val="accent1"/>
+          </a:effectRef>
+          <a:fontRef idx="minor">
+            <a:schemeClr val="lt1"/>
+          </a:fontRef>
+        </p:style>
+        <p:txBody>
+          <a:bodyPr rtlCol="0" anchor="ctr"/>
+          <a:lstStyle/>
+          <a:p>
+            <a:pPr algn="ctr"/>
+            <a:endParaRPr lang="en-US"/>
+          </a:p>
+        </p:txBody>
+      </p:sp>
+      <p:sp>
+        <p:nvSpPr>
+          <p:cNvPr id="2" name="Title 1">
+            <a:extLst>
+              <a:ext uri="{FF2B5EF4-FFF2-40B4-BE49-F238E27FC236}">
+                <a16:creationId xmlns:a16="http://schemas.microsoft.com/office/drawing/2014/main" id="{FF79099C-D652-564E-9BFF-98B14D43A6E8}"/>
+              </a:ext>
+            </a:extLst>
+          </p:cNvPr>
+          <p:cNvSpPr>
+            <a:spLocks noGrp="1"/>
+          </p:cNvSpPr>
+          <p:nvPr>
+            <p:ph type="title"/>
+          </p:nvPr>
+        </p:nvSpPr>
+        <p:spPr>
+          <a:xfrm>
+            <a:off x="762000" y="839336"/>
+            <a:ext cx="4123899" cy="3475513"/>
+          </a:xfrm>
+        </p:spPr>
+        <p:txBody>
+          <a:bodyPr vert="horz" lIns="91440" tIns="45720" rIns="91440" bIns="45720" rtlCol="0" anchor="ctr">
+            <a:normAutofit/>
+          </a:bodyPr>
+          <a:lstStyle/>
+          <a:p>
+            <a:pPr>
+              <a:lnSpc>
+                <a:spcPct val="95000"/>
+              </a:lnSpc>
+            </a:pPr>
+            <a:r>
+              <a:rPr lang="en-US" sz="6000"/>
+              <a:t>The Future</a:t>
+            </a:r>
+          </a:p>
+        </p:txBody>
+      </p:sp>
+      <p:sp>
+        <p:nvSpPr>
+          <p:cNvPr id="4" name="Text Placeholder 3">
+            <a:extLst>
+              <a:ext uri="{FF2B5EF4-FFF2-40B4-BE49-F238E27FC236}">
+                <a16:creationId xmlns:a16="http://schemas.microsoft.com/office/drawing/2014/main" id="{3EC3FDA5-713A-DAF8-8EA7-5EB1C509E416}"/>
+              </a:ext>
+            </a:extLst>
+          </p:cNvPr>
+          <p:cNvSpPr>
+            <a:spLocks noGrp="1"/>
+          </p:cNvSpPr>
+          <p:nvPr>
+            <p:ph type="body" sz="half" idx="2"/>
+          </p:nvPr>
+        </p:nvSpPr>
+        <p:spPr>
+          <a:xfrm>
+            <a:off x="762000" y="4570807"/>
+            <a:ext cx="4123899" cy="1524000"/>
+          </a:xfrm>
+        </p:spPr>
+        <p:txBody>
+          <a:bodyPr vert="horz" lIns="91440" tIns="45720" rIns="91440" bIns="45720" rtlCol="0">
+            <a:normAutofit/>
+          </a:bodyPr>
+          <a:lstStyle/>
+          <a:p>
+            <a:r>
+              <a:rPr lang="en-US" sz="2400"/>
+              <a:t>Actin quantum cellular automata</a:t>
+            </a:r>
+          </a:p>
+        </p:txBody>
+      </p:sp>
+      <p:pic>
+        <p:nvPicPr>
+          <p:cNvPr id="2050" name="Picture 2" descr="figure 1">
+            <a:extLst>
+              <a:ext uri="{FF2B5EF4-FFF2-40B4-BE49-F238E27FC236}">
+                <a16:creationId xmlns:a16="http://schemas.microsoft.com/office/drawing/2014/main" id="{78B0404C-1317-2B13-A454-7644C70EB422}"/>
+              </a:ext>
+            </a:extLst>
+          </p:cNvPr>
+          <p:cNvPicPr>
+            <a:picLocks noGrp="1" noChangeAspect="1" noChangeArrowheads="1"/>
+          </p:cNvPicPr>
+          <p:nvPr>
+            <p:ph type="pic" idx="1"/>
+          </p:nvPr>
+        </p:nvPicPr>
+        <p:blipFill rotWithShape="1">
+          <a:blip r:embed="rId2">
+            <a:extLst>
+              <a:ext uri="{28A0092B-C50C-407E-A947-70E740481C1C}">
+                <a14:useLocalDpi xmlns:a14="http://schemas.microsoft.com/office/drawing/2010/main" val="0"/>
+              </a:ext>
+            </a:extLst>
+          </a:blip>
+          <a:srcRect r="3581" b="2"/>
+          <a:stretch/>
+        </p:blipFill>
+        <p:spPr bwMode="auto">
+          <a:xfrm>
+            <a:off x="5334003" y="752477"/>
+            <a:ext cx="6095997" cy="5342330"/>
+          </a:xfrm>
+          <a:prstGeom prst="rect">
+            <a:avLst/>
+          </a:prstGeom>
+          <a:noFill/>
+          <a:extLst>
+            <a:ext uri="{909E8E84-426E-40DD-AFC4-6F175D3DCCD1}">
+              <a14:hiddenFill xmlns:a14="http://schemas.microsoft.com/office/drawing/2010/main">
+                <a:solidFill>
+                  <a:srgbClr val="FFFFFF"/>
+                </a:solidFill>
+              </a14:hiddenFill>
+            </a:ext>
+          </a:extLst>
+        </p:spPr>
+      </p:pic>
+    </p:spTree>
+    <p:extLst>
+      <p:ext uri="{BB962C8B-B14F-4D97-AF65-F5344CB8AC3E}">
+        <p14:creationId xmlns:p14="http://schemas.microsoft.com/office/powerpoint/2010/main" val="1261479664"/>
+      </p:ext>
+    </p:extLst>
+  </p:cSld>
+  <p:clrMapOvr>
+    <a:masterClrMapping/>
+  </p:clrMapOvr>
+</p:sld>
+</file>
+
+<file path=ppt/slides/slide7.xml><?xml version="1.0" encoding="utf-8"?>
+<p:sld xmlns:a="http://schemas.openxmlformats.org/drawingml/2006/main" xmlns:r="http://schemas.openxmlformats.org/officeDocument/2006/relationships" xmlns:p="http://schemas.openxmlformats.org/presentationml/2006/main">
+  <p:cSld>
+    <p:bg>
+      <p:bgPr>
+        <a:solidFill>
+          <a:schemeClr val="bg1"/>
+        </a:solidFill>
+        <a:effectLst/>
+      </p:bgPr>
+    </p:bg>
+    <p:spTree>
+      <p:nvGrpSpPr>
+        <p:cNvPr id="1" name=""/>
+        <p:cNvGrpSpPr/>
+        <p:nvPr/>
+      </p:nvGrpSpPr>
+      <p:grpSpPr>
+        <a:xfrm>
+          <a:off x="0" y="0"/>
+          <a:ext cx="0" cy="0"/>
+          <a:chOff x="0" y="0"/>
+          <a:chExt cx="0" cy="0"/>
+        </a:xfrm>
+      </p:grpSpPr>
+      <p:sp>
+        <p:nvSpPr>
+          <p:cNvPr id="3079" name="Freeform: Shape 3078">
+            <a:extLst>
+              <a:ext uri="{FF2B5EF4-FFF2-40B4-BE49-F238E27FC236}">
+                <a16:creationId xmlns:a16="http://schemas.microsoft.com/office/drawing/2014/main" id="{49306479-8C4D-4E4A-A330-DFC80A8A01BE}"/>
+              </a:ext>
+              <a:ext uri="{C183D7F6-B498-43B3-948B-1728B52AA6E4}">
+                <adec:decorative xmlns:adec="http://schemas.microsoft.com/office/drawing/2017/decorative" val="1"/>
+              </a:ext>
+            </a:extLst>
+          </p:cNvPr>
+          <p:cNvSpPr>
+            <a:spLocks noGrp="1" noRot="1" noChangeAspect="1" noMove="1" noResize="1" noEditPoints="1" noAdjustHandles="1" noChangeArrowheads="1" noChangeShapeType="1" noTextEdit="1"/>
+          </p:cNvSpPr>
+          <p:nvPr>
+            <p:extLst>
+              <p:ext uri="{386F3935-93C4-4BCD-93E2-E3B085C9AB24}">
+                <p16:designElem xmlns:p16="http://schemas.microsoft.com/office/powerpoint/2015/main" val="1"/>
+              </p:ext>
+            </p:extLst>
+          </p:nvPr>
+        </p:nvSpPr>
+        <p:spPr>
+          <a:xfrm>
+            <a:off x="0" y="0"/>
+            <a:ext cx="12192000" cy="6105524"/>
+          </a:xfrm>
+          <a:custGeom>
+            <a:avLst/>
+            <a:gdLst>
+              <a:gd name="connsiteX0" fmla="*/ 0 w 12192000"/>
+              <a:gd name="connsiteY0" fmla="*/ 0 h 6105524"/>
+              <a:gd name="connsiteX1" fmla="*/ 12192000 w 12192000"/>
+              <a:gd name="connsiteY1" fmla="*/ 0 h 6105524"/>
+              <a:gd name="connsiteX2" fmla="*/ 12192000 w 12192000"/>
+              <a:gd name="connsiteY2" fmla="*/ 6105524 h 6105524"/>
+              <a:gd name="connsiteX3" fmla="*/ 11435080 w 12192000"/>
+              <a:gd name="connsiteY3" fmla="*/ 6105524 h 6105524"/>
+              <a:gd name="connsiteX4" fmla="*/ 11435080 w 12192000"/>
+              <a:gd name="connsiteY4" fmla="*/ 771523 h 6105524"/>
+              <a:gd name="connsiteX5" fmla="*/ 767080 w 12192000"/>
+              <a:gd name="connsiteY5" fmla="*/ 771523 h 6105524"/>
+              <a:gd name="connsiteX6" fmla="*/ 767080 w 12192000"/>
+              <a:gd name="connsiteY6" fmla="*/ 6105524 h 6105524"/>
+              <a:gd name="connsiteX7" fmla="*/ 0 w 12192000"/>
+              <a:gd name="connsiteY7" fmla="*/ 6105524 h 6105524"/>
+            </a:gdLst>
+            <a:ahLst/>
+            <a:cxnLst>
+              <a:cxn ang="0">
+                <a:pos x="connsiteX0" y="connsiteY0"/>
+              </a:cxn>
+              <a:cxn ang="0">
+                <a:pos x="connsiteX1" y="connsiteY1"/>
+              </a:cxn>
+              <a:cxn ang="0">
+                <a:pos x="connsiteX2" y="connsiteY2"/>
+              </a:cxn>
+              <a:cxn ang="0">
+                <a:pos x="connsiteX3" y="connsiteY3"/>
+              </a:cxn>
+              <a:cxn ang="0">
+                <a:pos x="connsiteX4" y="connsiteY4"/>
+              </a:cxn>
+              <a:cxn ang="0">
+                <a:pos x="connsiteX5" y="connsiteY5"/>
+              </a:cxn>
+              <a:cxn ang="0">
+                <a:pos x="connsiteX6" y="connsiteY6"/>
+              </a:cxn>
+              <a:cxn ang="0">
+                <a:pos x="connsiteX7" y="connsiteY7"/>
+              </a:cxn>
+            </a:cxnLst>
+            <a:rect l="l" t="t" r="r" b="b"/>
+            <a:pathLst>
+              <a:path w="12192000" h="6105524">
+                <a:moveTo>
+                  <a:pt x="0" y="0"/>
+                </a:moveTo>
+                <a:lnTo>
+                  <a:pt x="12192000" y="0"/>
+                </a:lnTo>
+                <a:lnTo>
+                  <a:pt x="12192000" y="6105524"/>
+                </a:lnTo>
+                <a:lnTo>
+                  <a:pt x="11435080" y="6105524"/>
+                </a:lnTo>
+                <a:lnTo>
+                  <a:pt x="11435080" y="771523"/>
+                </a:lnTo>
+                <a:lnTo>
+                  <a:pt x="767080" y="771523"/>
+                </a:lnTo>
+                <a:lnTo>
+                  <a:pt x="767080" y="6105524"/>
+                </a:lnTo>
+                <a:lnTo>
+                  <a:pt x="0" y="6105524"/>
+                </a:lnTo>
+                <a:close/>
+              </a:path>
+            </a:pathLst>
+          </a:custGeom>
+          <a:gradFill flip="none" rotWithShape="1">
+            <a:gsLst>
+              <a:gs pos="10000">
+                <a:schemeClr val="accent5"/>
+              </a:gs>
+              <a:gs pos="90000">
+                <a:schemeClr val="accent1"/>
+              </a:gs>
+              <a:gs pos="70000">
+                <a:schemeClr val="accent2"/>
+              </a:gs>
+              <a:gs pos="30000">
+                <a:schemeClr val="accent4"/>
+              </a:gs>
+              <a:gs pos="50000">
+                <a:schemeClr val="accent3">
+                  <a:lumMod val="60000"/>
+                  <a:lumOff val="40000"/>
+                </a:schemeClr>
+              </a:gs>
+            </a:gsLst>
+            <a:lin ang="7200000" scaled="0"/>
+            <a:tileRect/>
+          </a:gradFill>
+          <a:ln>
+            <a:noFill/>
+          </a:ln>
+        </p:spPr>
+        <p:style>
+          <a:lnRef idx="2">
+            <a:schemeClr val="accent1">
+              <a:shade val="50000"/>
+            </a:schemeClr>
+          </a:lnRef>
+          <a:fillRef idx="1">
+            <a:schemeClr val="accent1"/>
+          </a:fillRef>
+          <a:effectRef idx="0">
+            <a:schemeClr val="accent1"/>
+          </a:effectRef>
+          <a:fontRef idx="minor">
+            <a:schemeClr val="lt1"/>
+          </a:fontRef>
+        </p:style>
+        <p:txBody>
+          <a:bodyPr wrap="square" rtlCol="0" anchor="ctr">
+            <a:noAutofit/>
+          </a:bodyPr>
+          <a:lstStyle/>
+          <a:p>
+            <a:pPr algn="ctr"/>
+            <a:endParaRPr lang="en-US"/>
+          </a:p>
+        </p:txBody>
+      </p:sp>
+      <p:sp useBgFill="1">
+        <p:nvSpPr>
+          <p:cNvPr id="3081" name="Rectangle 3080">
+            <a:extLst>
+              <a:ext uri="{FF2B5EF4-FFF2-40B4-BE49-F238E27FC236}">
+                <a16:creationId xmlns:a16="http://schemas.microsoft.com/office/drawing/2014/main" id="{9B45BA4C-9B54-4496-821F-9E0985CA984D}"/>
+              </a:ext>
+              <a:ext uri="{C183D7F6-B498-43B3-948B-1728B52AA6E4}">
+                <adec:decorative xmlns:adec="http://schemas.microsoft.com/office/drawing/2017/decorative" val="1"/>
+              </a:ext>
+            </a:extLst>
+          </p:cNvPr>
+          <p:cNvSpPr>
+            <a:spLocks noGrp="1" noRot="1" noChangeAspect="1" noMove="1" noResize="1" noEditPoints="1" noAdjustHandles="1" noChangeArrowheads="1" noChangeShapeType="1" noTextEdit="1"/>
+          </p:cNvSpPr>
+          <p:nvPr>
+            <p:extLst>
+              <p:ext uri="{386F3935-93C4-4BCD-93E2-E3B085C9AB24}">
+                <p16:designElem xmlns:p16="http://schemas.microsoft.com/office/powerpoint/2015/main" val="1"/>
+              </p:ext>
+            </p:extLst>
+          </p:nvPr>
+        </p:nvSpPr>
+        <p:spPr>
+          <a:xfrm>
+            <a:off x="0" y="0"/>
+            <a:ext cx="12192000" cy="6858000"/>
+          </a:xfrm>
+          <a:prstGeom prst="rect">
+            <a:avLst/>
+          </a:prstGeom>
+          <a:ln>
+            <a:noFill/>
+          </a:ln>
+        </p:spPr>
+        <p:style>
+          <a:lnRef idx="2">
+            <a:schemeClr val="accent1">
+              <a:shade val="50000"/>
+            </a:schemeClr>
+          </a:lnRef>
+          <a:fillRef idx="1">
+            <a:schemeClr val="accent1"/>
+          </a:fillRef>
+          <a:effectRef idx="0">
+            <a:schemeClr val="accent1"/>
+          </a:effectRef>
+          <a:fontRef idx="minor">
+            <a:schemeClr val="lt1"/>
+          </a:fontRef>
+        </p:style>
+        <p:txBody>
+          <a:bodyPr rtlCol="0" anchor="ctr"/>
+          <a:lstStyle/>
+          <a:p>
+            <a:pPr algn="ctr"/>
+            <a:endParaRPr lang="en-US"/>
+          </a:p>
+        </p:txBody>
+      </p:sp>
+      <p:sp>
+        <p:nvSpPr>
+          <p:cNvPr id="3083" name="Rectangle 3082">
+            <a:extLst>
+              <a:ext uri="{FF2B5EF4-FFF2-40B4-BE49-F238E27FC236}">
+                <a16:creationId xmlns:a16="http://schemas.microsoft.com/office/drawing/2014/main" id="{117B5C06-12CC-49EF-A907-08F1B132CAE2}"/>
+              </a:ext>
+              <a:ext uri="{C183D7F6-B498-43B3-948B-1728B52AA6E4}">
+                <adec:decorative xmlns:adec="http://schemas.microsoft.com/office/drawing/2017/decorative" val="1"/>
+              </a:ext>
+            </a:extLst>
+          </p:cNvPr>
+          <p:cNvSpPr>
+            <a:spLocks noGrp="1" noRot="1" noChangeAspect="1" noMove="1" noResize="1" noEditPoints="1" noAdjustHandles="1" noChangeArrowheads="1" noChangeShapeType="1" noTextEdit="1"/>
+          </p:cNvSpPr>
+          <p:nvPr>
+            <p:extLst>
+              <p:ext uri="{386F3935-93C4-4BCD-93E2-E3B085C9AB24}">
+                <p16:designElem xmlns:p16="http://schemas.microsoft.com/office/powerpoint/2015/main" val="1"/>
+              </p:ext>
+            </p:extLst>
+          </p:nvPr>
+        </p:nvSpPr>
+        <p:spPr>
+          <a:xfrm>
+            <a:off x="0" y="0"/>
+            <a:ext cx="12192000" cy="6099048"/>
+          </a:xfrm>
+          <a:prstGeom prst="rect">
+            <a:avLst/>
+          </a:prstGeom>
+          <a:gradFill flip="none" rotWithShape="1">
+            <a:gsLst>
+              <a:gs pos="10000">
+                <a:schemeClr val="accent5"/>
+              </a:gs>
+              <a:gs pos="90000">
+                <a:schemeClr val="accent1"/>
+              </a:gs>
+              <a:gs pos="70000">
+                <a:schemeClr val="accent2"/>
+              </a:gs>
+              <a:gs pos="30000">
+                <a:schemeClr val="accent4"/>
+              </a:gs>
+              <a:gs pos="50000">
+                <a:schemeClr val="accent3">
+                  <a:lumMod val="60000"/>
+                  <a:lumOff val="40000"/>
+                </a:schemeClr>
+              </a:gs>
+            </a:gsLst>
+            <a:lin ang="7200000" scaled="0"/>
+            <a:tileRect/>
+          </a:gradFill>
+          <a:ln>
+            <a:noFill/>
+          </a:ln>
+        </p:spPr>
+        <p:style>
+          <a:lnRef idx="2">
+            <a:schemeClr val="accent1">
+              <a:shade val="50000"/>
+            </a:schemeClr>
+          </a:lnRef>
+          <a:fillRef idx="1">
+            <a:schemeClr val="accent1"/>
+          </a:fillRef>
+          <a:effectRef idx="0">
+            <a:schemeClr val="accent1"/>
+          </a:effectRef>
+          <a:fontRef idx="minor">
+            <a:schemeClr val="lt1"/>
+          </a:fontRef>
+        </p:style>
+        <p:txBody>
+          <a:bodyPr rtlCol="0" anchor="ctr"/>
+          <a:lstStyle/>
+          <a:p>
+            <a:pPr algn="ctr"/>
+            <a:endParaRPr lang="en-US"/>
+          </a:p>
+        </p:txBody>
+      </p:sp>
+      <p:sp useBgFill="1">
+        <p:nvSpPr>
+          <p:cNvPr id="3085" name="Rectangle 3084">
+            <a:extLst>
+              <a:ext uri="{FF2B5EF4-FFF2-40B4-BE49-F238E27FC236}">
+                <a16:creationId xmlns:a16="http://schemas.microsoft.com/office/drawing/2014/main" id="{BF7A785F-38D2-4D69-B6F1-ADCED2B8F1DA}"/>
+              </a:ext>
+              <a:ext uri="{C183D7F6-B498-43B3-948B-1728B52AA6E4}">
+                <adec:decorative xmlns:adec="http://schemas.microsoft.com/office/drawing/2017/decorative" val="1"/>
+              </a:ext>
+            </a:extLst>
+          </p:cNvPr>
+          <p:cNvSpPr>
+            <a:spLocks noGrp="1" noRot="1" noChangeAspect="1" noMove="1" noResize="1" noEditPoints="1" noAdjustHandles="1" noChangeArrowheads="1" noChangeShapeType="1" noTextEdit="1"/>
+          </p:cNvSpPr>
+          <p:nvPr>
+            <p:extLst>
+              <p:ext uri="{386F3935-93C4-4BCD-93E2-E3B085C9AB24}">
+                <p16:designElem xmlns:p16="http://schemas.microsoft.com/office/powerpoint/2015/main" val="1"/>
+              </p:ext>
+            </p:extLst>
+          </p:nvPr>
+        </p:nvSpPr>
+        <p:spPr>
+          <a:xfrm>
+            <a:off x="0" y="0"/>
+            <a:ext cx="5334003" cy="6175613"/>
+          </a:xfrm>
+          <a:prstGeom prst="rect">
+            <a:avLst/>
+          </a:prstGeom>
+          <a:ln>
+            <a:noFill/>
+          </a:ln>
+        </p:spPr>
+        <p:style>
+          <a:lnRef idx="2">
+            <a:schemeClr val="accent1">
+              <a:shade val="50000"/>
+            </a:schemeClr>
+          </a:lnRef>
+          <a:fillRef idx="1">
+            <a:schemeClr val="accent1"/>
+          </a:fillRef>
+          <a:effectRef idx="0">
+            <a:schemeClr val="accent1"/>
+          </a:effectRef>
+          <a:fontRef idx="minor">
+            <a:schemeClr val="lt1"/>
+          </a:fontRef>
+        </p:style>
+        <p:txBody>
+          <a:bodyPr rtlCol="0" anchor="ctr"/>
+          <a:lstStyle/>
+          <a:p>
+            <a:pPr algn="ctr"/>
+            <a:endParaRPr lang="en-US"/>
+          </a:p>
+        </p:txBody>
+      </p:sp>
+      <p:sp>
+        <p:nvSpPr>
+          <p:cNvPr id="2" name="Title 1">
+            <a:extLst>
+              <a:ext uri="{FF2B5EF4-FFF2-40B4-BE49-F238E27FC236}">
+                <a16:creationId xmlns:a16="http://schemas.microsoft.com/office/drawing/2014/main" id="{39107DAF-C791-DA9C-1654-5A6C198BC044}"/>
+              </a:ext>
+            </a:extLst>
+          </p:cNvPr>
+          <p:cNvSpPr>
+            <a:spLocks noGrp="1"/>
+          </p:cNvSpPr>
+          <p:nvPr>
+            <p:ph type="title"/>
+          </p:nvPr>
+        </p:nvSpPr>
+        <p:spPr>
+          <a:xfrm>
+            <a:off x="762000" y="1685885"/>
+            <a:ext cx="4123899" cy="3475513"/>
+          </a:xfrm>
+        </p:spPr>
+        <p:txBody>
+          <a:bodyPr vert="horz" lIns="91440" tIns="45720" rIns="91440" bIns="45720" rtlCol="0" anchor="ctr">
+            <a:normAutofit/>
+          </a:bodyPr>
+          <a:lstStyle/>
+          <a:p>
+            <a:r>
+              <a:rPr lang="en-US" sz="6000" dirty="0"/>
+              <a:t>Conclusion</a:t>
+            </a:r>
+          </a:p>
+        </p:txBody>
+      </p:sp>
+      <p:pic>
+        <p:nvPicPr>
+          <p:cNvPr id="3074" name="Picture 2" descr="clipart decision - Clip Art Library">
+            <a:extLst>
+              <a:ext uri="{FF2B5EF4-FFF2-40B4-BE49-F238E27FC236}">
+                <a16:creationId xmlns:a16="http://schemas.microsoft.com/office/drawing/2014/main" id="{F0AB71DF-D0A4-B7BC-D255-B7579374984D}"/>
+              </a:ext>
+            </a:extLst>
+          </p:cNvPr>
+          <p:cNvPicPr>
+            <a:picLocks noGrp="1" noChangeAspect="1" noChangeArrowheads="1"/>
+          </p:cNvPicPr>
+          <p:nvPr>
+            <p:ph idx="1"/>
+          </p:nvPr>
+        </p:nvPicPr>
+        <p:blipFill rotWithShape="1">
+          <a:blip r:embed="rId2">
+            <a:extLst>
+              <a:ext uri="{28A0092B-C50C-407E-A947-70E740481C1C}">
+                <a14:useLocalDpi xmlns:a14="http://schemas.microsoft.com/office/drawing/2010/main" val="0"/>
+              </a:ext>
+            </a:extLst>
+          </a:blip>
+          <a:srcRect l="6575" r="7845" b="1"/>
+          <a:stretch/>
+        </p:blipFill>
+        <p:spPr bwMode="auto">
+          <a:xfrm>
+            <a:off x="5334003" y="752477"/>
+            <a:ext cx="6095997" cy="5342330"/>
+          </a:xfrm>
+          <a:prstGeom prst="rect">
+            <a:avLst/>
+          </a:prstGeom>
+          <a:noFill/>
+          <a:extLst>
+            <a:ext uri="{909E8E84-426E-40DD-AFC4-6F175D3DCCD1}">
+              <a14:hiddenFill xmlns:a14="http://schemas.microsoft.com/office/drawing/2010/main">
+                <a:solidFill>
+                  <a:srgbClr val="FFFFFF"/>
+                </a:solidFill>
+              </a14:hiddenFill>
+            </a:ext>
+          </a:extLst>
+        </p:spPr>
+      </p:pic>
+    </p:spTree>
+    <p:extLst>
+      <p:ext uri="{BB962C8B-B14F-4D97-AF65-F5344CB8AC3E}">
+        <p14:creationId xmlns:p14="http://schemas.microsoft.com/office/powerpoint/2010/main" val="3871556940"/>
       </p:ext>
     </p:extLst>
   </p:cSld>
